--- a/2-git/2.git.pptx
+++ b/2-git/2.git.pptx
@@ -5948,7 +5948,7 @@
             </a:br>
             <a:r>
               <a:rPr lang="en-US" altLang="ko-KR" dirty="0"/>
-              <a:t>2. Git~HTML5~Vue Install</a:t>
+              <a:t>2. Git ~ HTML5</a:t>
             </a:r>
             <a:endParaRPr lang="ko-KR" altLang="en-US" dirty="0"/>
           </a:p>
@@ -12213,12 +12213,14 @@
           </a:p>
           <a:p>
             <a:r>
-              <a:rPr lang="en-US" altLang="ko-KR" dirty="0" err="1"/>
-              <a:t>Magin</a:t>
-            </a:r>
-            <a:r>
               <a:rPr lang="en-US" altLang="ko-KR" dirty="0"/>
-              <a:t>, padding</a:t>
+              <a:t>Position(static, relative, absolute, fixed)</a:t>
+            </a:r>
+          </a:p>
+          <a:p>
+            <a:r>
+              <a:rPr lang="en-US" altLang="ko-KR" dirty="0"/>
+              <a:t>Margin, padding</a:t>
             </a:r>
           </a:p>
           <a:p>
@@ -12241,12 +12243,6 @@
             <a:r>
               <a:rPr lang="en-US" altLang="ko-KR" dirty="0"/>
               <a:t>Table</a:t>
-            </a:r>
-          </a:p>
-          <a:p>
-            <a:r>
-              <a:rPr lang="en-US" altLang="ko-KR" dirty="0"/>
-              <a:t>Position(absolute, relative, fixed)</a:t>
             </a:r>
           </a:p>
           <a:p>

--- a/2-git/2.git.pptx
+++ b/2-git/2.git.pptx
@@ -5,7 +5,7 @@
     <p:sldMasterId id="2147483648" r:id="rId1"/>
   </p:sldMasterIdLst>
   <p:notesMasterIdLst>
-    <p:notesMasterId r:id="rId29"/>
+    <p:notesMasterId r:id="rId30"/>
   </p:notesMasterIdLst>
   <p:sldIdLst>
     <p:sldId id="256" r:id="rId2"/>
@@ -15,26 +15,27 @@
     <p:sldId id="302" r:id="rId6"/>
     <p:sldId id="303" r:id="rId7"/>
     <p:sldId id="259" r:id="rId8"/>
-    <p:sldId id="305" r:id="rId9"/>
-    <p:sldId id="304" r:id="rId10"/>
-    <p:sldId id="307" r:id="rId11"/>
-    <p:sldId id="308" r:id="rId12"/>
-    <p:sldId id="301" r:id="rId13"/>
-    <p:sldId id="313" r:id="rId14"/>
-    <p:sldId id="309" r:id="rId15"/>
-    <p:sldId id="310" r:id="rId16"/>
-    <p:sldId id="311" r:id="rId17"/>
-    <p:sldId id="314" r:id="rId18"/>
-    <p:sldId id="315" r:id="rId19"/>
-    <p:sldId id="316" r:id="rId20"/>
-    <p:sldId id="317" r:id="rId21"/>
-    <p:sldId id="318" r:id="rId22"/>
-    <p:sldId id="319" r:id="rId23"/>
-    <p:sldId id="320" r:id="rId24"/>
-    <p:sldId id="321" r:id="rId25"/>
-    <p:sldId id="322" r:id="rId26"/>
-    <p:sldId id="323" r:id="rId27"/>
-    <p:sldId id="324" r:id="rId28"/>
+    <p:sldId id="325" r:id="rId9"/>
+    <p:sldId id="305" r:id="rId10"/>
+    <p:sldId id="304" r:id="rId11"/>
+    <p:sldId id="307" r:id="rId12"/>
+    <p:sldId id="308" r:id="rId13"/>
+    <p:sldId id="301" r:id="rId14"/>
+    <p:sldId id="313" r:id="rId15"/>
+    <p:sldId id="309" r:id="rId16"/>
+    <p:sldId id="310" r:id="rId17"/>
+    <p:sldId id="311" r:id="rId18"/>
+    <p:sldId id="314" r:id="rId19"/>
+    <p:sldId id="315" r:id="rId20"/>
+    <p:sldId id="316" r:id="rId21"/>
+    <p:sldId id="317" r:id="rId22"/>
+    <p:sldId id="318" r:id="rId23"/>
+    <p:sldId id="319" r:id="rId24"/>
+    <p:sldId id="320" r:id="rId25"/>
+    <p:sldId id="321" r:id="rId26"/>
+    <p:sldId id="322" r:id="rId27"/>
+    <p:sldId id="323" r:id="rId28"/>
+    <p:sldId id="324" r:id="rId29"/>
   </p:sldIdLst>
   <p:sldSz cx="12192000" cy="6858000"/>
   <p:notesSz cx="6858000" cy="9144000"/>
@@ -648,7 +649,7 @@
     </p:spTree>
     <p:extLst>
       <p:ext uri="{BB962C8B-B14F-4D97-AF65-F5344CB8AC3E}">
-        <p14:creationId xmlns:p14="http://schemas.microsoft.com/office/powerpoint/2010/main" val="2360484538"/>
+        <p14:creationId xmlns:p14="http://schemas.microsoft.com/office/powerpoint/2010/main" val="351841873"/>
       </p:ext>
     </p:extLst>
   </p:cSld>
@@ -732,7 +733,7 @@
     </p:spTree>
     <p:extLst>
       <p:ext uri="{BB962C8B-B14F-4D97-AF65-F5344CB8AC3E}">
-        <p14:creationId xmlns:p14="http://schemas.microsoft.com/office/powerpoint/2010/main" val="3599914224"/>
+        <p14:creationId xmlns:p14="http://schemas.microsoft.com/office/powerpoint/2010/main" val="2360484538"/>
       </p:ext>
     </p:extLst>
   </p:cSld>
@@ -816,7 +817,7 @@
     </p:spTree>
     <p:extLst>
       <p:ext uri="{BB962C8B-B14F-4D97-AF65-F5344CB8AC3E}">
-        <p14:creationId xmlns:p14="http://schemas.microsoft.com/office/powerpoint/2010/main" val="2893997976"/>
+        <p14:creationId xmlns:p14="http://schemas.microsoft.com/office/powerpoint/2010/main" val="3599914224"/>
       </p:ext>
     </p:extLst>
   </p:cSld>
@@ -900,7 +901,7 @@
     </p:spTree>
     <p:extLst>
       <p:ext uri="{BB962C8B-B14F-4D97-AF65-F5344CB8AC3E}">
-        <p14:creationId xmlns:p14="http://schemas.microsoft.com/office/powerpoint/2010/main" val="1507889146"/>
+        <p14:creationId xmlns:p14="http://schemas.microsoft.com/office/powerpoint/2010/main" val="2893997976"/>
       </p:ext>
     </p:extLst>
   </p:cSld>
@@ -984,7 +985,7 @@
     </p:spTree>
     <p:extLst>
       <p:ext uri="{BB962C8B-B14F-4D97-AF65-F5344CB8AC3E}">
-        <p14:creationId xmlns:p14="http://schemas.microsoft.com/office/powerpoint/2010/main" val="3800132490"/>
+        <p14:creationId xmlns:p14="http://schemas.microsoft.com/office/powerpoint/2010/main" val="1507889146"/>
       </p:ext>
     </p:extLst>
   </p:cSld>
@@ -1068,7 +1069,7 @@
     </p:spTree>
     <p:extLst>
       <p:ext uri="{BB962C8B-B14F-4D97-AF65-F5344CB8AC3E}">
-        <p14:creationId xmlns:p14="http://schemas.microsoft.com/office/powerpoint/2010/main" val="2610841919"/>
+        <p14:creationId xmlns:p14="http://schemas.microsoft.com/office/powerpoint/2010/main" val="3800132490"/>
       </p:ext>
     </p:extLst>
   </p:cSld>
@@ -1152,7 +1153,7 @@
     </p:spTree>
     <p:extLst>
       <p:ext uri="{BB962C8B-B14F-4D97-AF65-F5344CB8AC3E}">
-        <p14:creationId xmlns:p14="http://schemas.microsoft.com/office/powerpoint/2010/main" val="2539726916"/>
+        <p14:creationId xmlns:p14="http://schemas.microsoft.com/office/powerpoint/2010/main" val="2610841919"/>
       </p:ext>
     </p:extLst>
   </p:cSld>
@@ -1236,7 +1237,7 @@
     </p:spTree>
     <p:extLst>
       <p:ext uri="{BB962C8B-B14F-4D97-AF65-F5344CB8AC3E}">
-        <p14:creationId xmlns:p14="http://schemas.microsoft.com/office/powerpoint/2010/main" val="890203537"/>
+        <p14:creationId xmlns:p14="http://schemas.microsoft.com/office/powerpoint/2010/main" val="2539726916"/>
       </p:ext>
     </p:extLst>
   </p:cSld>
@@ -1320,7 +1321,7 @@
     </p:spTree>
     <p:extLst>
       <p:ext uri="{BB962C8B-B14F-4D97-AF65-F5344CB8AC3E}">
-        <p14:creationId xmlns:p14="http://schemas.microsoft.com/office/powerpoint/2010/main" val="1853010958"/>
+        <p14:creationId xmlns:p14="http://schemas.microsoft.com/office/powerpoint/2010/main" val="890203537"/>
       </p:ext>
     </p:extLst>
   </p:cSld>
@@ -1374,115 +1375,7 @@
           <a:bodyPr/>
           <a:lstStyle/>
           <a:p>
-            <a:r>
-              <a:rPr lang="ko-KR" altLang="en-US" dirty="0"/>
-              <a:t>우린 오래 전부터 어쩔 수 없는 </a:t>
-            </a:r>
-            <a:r>
-              <a:rPr lang="ko-KR" altLang="en-US" dirty="0" err="1"/>
-              <a:t>거였어</a:t>
-            </a:r>
             <a:endParaRPr lang="ko-KR" altLang="en-US" dirty="0"/>
-          </a:p>
-          <a:p>
-            <a:r>
-              <a:rPr lang="ko-KR" altLang="en-US" dirty="0"/>
-              <a:t>우주 속을 홀로 떠돌며 많이 </a:t>
-            </a:r>
-            <a:r>
-              <a:rPr lang="ko-KR" altLang="en-US" dirty="0" err="1"/>
-              <a:t>외로워하다가</a:t>
-            </a:r>
-            <a:endParaRPr lang="ko-KR" altLang="en-US" dirty="0"/>
-          </a:p>
-          <a:p>
-            <a:r>
-              <a:rPr lang="ko-KR" altLang="en-US" dirty="0"/>
-              <a:t>어느 순간 태양과 달이 겹치게 될 때면</a:t>
-            </a:r>
-          </a:p>
-          <a:p>
-            <a:r>
-              <a:rPr lang="ko-KR" altLang="en-US" dirty="0"/>
-              <a:t>모든 것을 이해할 수 있을 거야</a:t>
-            </a:r>
-          </a:p>
-          <a:p>
-            <a:r>
-              <a:rPr lang="ko-KR" altLang="en-US" dirty="0"/>
-              <a:t>하늘에선 비만 내렸어 뼈 속까지 다 </a:t>
-            </a:r>
-            <a:r>
-              <a:rPr lang="ko-KR" altLang="en-US" dirty="0" err="1"/>
-              <a:t>젖었어</a:t>
-            </a:r>
-            <a:endParaRPr lang="ko-KR" altLang="en-US" dirty="0"/>
-          </a:p>
-          <a:p>
-            <a:r>
-              <a:rPr lang="ko-KR" altLang="en-US" dirty="0"/>
-              <a:t>얼마 있다 비가 그쳤어 대신 눈이 내리더니</a:t>
-            </a:r>
-          </a:p>
-          <a:p>
-            <a:r>
-              <a:rPr lang="ko-KR" altLang="en-US" dirty="0"/>
-              <a:t>영화서도 볼 수 없던 눈보라가 불 때</a:t>
-            </a:r>
-          </a:p>
-          <a:p>
-            <a:r>
-              <a:rPr lang="ko-KR" altLang="en-US" dirty="0"/>
-              <a:t>너는 내가 처음 봤던 눈동자야</a:t>
-            </a:r>
-          </a:p>
-          <a:p>
-            <a:r>
-              <a:rPr lang="ko-KR" altLang="en-US" dirty="0"/>
-              <a:t>낮 익은 거리들이 거울처럼 반짝여도</a:t>
-            </a:r>
-          </a:p>
-          <a:p>
-            <a:r>
-              <a:rPr lang="ko-KR" altLang="en-US" dirty="0" err="1"/>
-              <a:t>니가</a:t>
-            </a:r>
-            <a:r>
-              <a:rPr lang="ko-KR" altLang="en-US" dirty="0"/>
-              <a:t> </a:t>
-            </a:r>
-            <a:r>
-              <a:rPr lang="ko-KR" altLang="en-US" dirty="0" err="1"/>
-              <a:t>건네주는</a:t>
-            </a:r>
-            <a:r>
-              <a:rPr lang="ko-KR" altLang="en-US" dirty="0"/>
-              <a:t> 커피 위에 살얼음이 떠도</a:t>
-            </a:r>
-          </a:p>
-          <a:p>
-            <a:r>
-              <a:rPr lang="ko-KR" altLang="en-US" dirty="0"/>
-              <a:t>우리 둘은 얼어붙지 않을 꺼야</a:t>
-            </a:r>
-          </a:p>
-          <a:p>
-            <a:r>
-              <a:rPr lang="ko-KR" altLang="en-US" dirty="0"/>
-              <a:t>바다 속의 모래까지 녹일 꺼야</a:t>
-            </a:r>
-          </a:p>
-          <a:p>
-            <a:r>
-              <a:rPr lang="ko-KR" altLang="en-US" dirty="0"/>
-              <a:t>춤을 추며 절망이랑 싸울 꺼야</a:t>
-            </a:r>
-          </a:p>
-          <a:p>
-            <a:r>
-              <a:rPr lang="ko-KR" altLang="en-US" dirty="0"/>
-              <a:t>얼어붙은 아스팔트 도시 위로</a:t>
-            </a:r>
           </a:p>
         </p:txBody>
       </p:sp>
@@ -1512,7 +1405,7 @@
     </p:spTree>
     <p:extLst>
       <p:ext uri="{BB962C8B-B14F-4D97-AF65-F5344CB8AC3E}">
-        <p14:creationId xmlns:p14="http://schemas.microsoft.com/office/powerpoint/2010/main" val="2461632261"/>
+        <p14:creationId xmlns:p14="http://schemas.microsoft.com/office/powerpoint/2010/main" val="1853010958"/>
       </p:ext>
     </p:extLst>
   </p:cSld>
@@ -1650,7 +1543,115 @@
           <a:bodyPr/>
           <a:lstStyle/>
           <a:p>
+            <a:r>
+              <a:rPr lang="ko-KR" altLang="en-US" dirty="0"/>
+              <a:t>우린 오래 전부터 어쩔 수 없는 </a:t>
+            </a:r>
+            <a:r>
+              <a:rPr lang="ko-KR" altLang="en-US" dirty="0" err="1"/>
+              <a:t>거였어</a:t>
+            </a:r>
             <a:endParaRPr lang="ko-KR" altLang="en-US" dirty="0"/>
+          </a:p>
+          <a:p>
+            <a:r>
+              <a:rPr lang="ko-KR" altLang="en-US" dirty="0"/>
+              <a:t>우주 속을 홀로 떠돌며 많이 </a:t>
+            </a:r>
+            <a:r>
+              <a:rPr lang="ko-KR" altLang="en-US" dirty="0" err="1"/>
+              <a:t>외로워하다가</a:t>
+            </a:r>
+            <a:endParaRPr lang="ko-KR" altLang="en-US" dirty="0"/>
+          </a:p>
+          <a:p>
+            <a:r>
+              <a:rPr lang="ko-KR" altLang="en-US" dirty="0"/>
+              <a:t>어느 순간 태양과 달이 겹치게 될 때면</a:t>
+            </a:r>
+          </a:p>
+          <a:p>
+            <a:r>
+              <a:rPr lang="ko-KR" altLang="en-US" dirty="0"/>
+              <a:t>모든 것을 이해할 수 있을 거야</a:t>
+            </a:r>
+          </a:p>
+          <a:p>
+            <a:r>
+              <a:rPr lang="ko-KR" altLang="en-US" dirty="0"/>
+              <a:t>하늘에선 비만 내렸어 뼈 속까지 다 </a:t>
+            </a:r>
+            <a:r>
+              <a:rPr lang="ko-KR" altLang="en-US" dirty="0" err="1"/>
+              <a:t>젖었어</a:t>
+            </a:r>
+            <a:endParaRPr lang="ko-KR" altLang="en-US" dirty="0"/>
+          </a:p>
+          <a:p>
+            <a:r>
+              <a:rPr lang="ko-KR" altLang="en-US" dirty="0"/>
+              <a:t>얼마 있다 비가 그쳤어 대신 눈이 내리더니</a:t>
+            </a:r>
+          </a:p>
+          <a:p>
+            <a:r>
+              <a:rPr lang="ko-KR" altLang="en-US" dirty="0"/>
+              <a:t>영화서도 볼 수 없던 눈보라가 불 때</a:t>
+            </a:r>
+          </a:p>
+          <a:p>
+            <a:r>
+              <a:rPr lang="ko-KR" altLang="en-US" dirty="0"/>
+              <a:t>너는 내가 처음 봤던 눈동자야</a:t>
+            </a:r>
+          </a:p>
+          <a:p>
+            <a:r>
+              <a:rPr lang="ko-KR" altLang="en-US" dirty="0"/>
+              <a:t>낮 익은 거리들이 거울처럼 반짝여도</a:t>
+            </a:r>
+          </a:p>
+          <a:p>
+            <a:r>
+              <a:rPr lang="ko-KR" altLang="en-US" dirty="0" err="1"/>
+              <a:t>니가</a:t>
+            </a:r>
+            <a:r>
+              <a:rPr lang="ko-KR" altLang="en-US" dirty="0"/>
+              <a:t> </a:t>
+            </a:r>
+            <a:r>
+              <a:rPr lang="ko-KR" altLang="en-US" dirty="0" err="1"/>
+              <a:t>건네주는</a:t>
+            </a:r>
+            <a:r>
+              <a:rPr lang="ko-KR" altLang="en-US" dirty="0"/>
+              <a:t> 커피 위에 살얼음이 떠도</a:t>
+            </a:r>
+          </a:p>
+          <a:p>
+            <a:r>
+              <a:rPr lang="ko-KR" altLang="en-US" dirty="0"/>
+              <a:t>우리 둘은 얼어붙지 않을 꺼야</a:t>
+            </a:r>
+          </a:p>
+          <a:p>
+            <a:r>
+              <a:rPr lang="ko-KR" altLang="en-US" dirty="0"/>
+              <a:t>바다 속의 모래까지 녹일 꺼야</a:t>
+            </a:r>
+          </a:p>
+          <a:p>
+            <a:r>
+              <a:rPr lang="ko-KR" altLang="en-US" dirty="0"/>
+              <a:t>춤을 추며 절망이랑 싸울 꺼야</a:t>
+            </a:r>
+          </a:p>
+          <a:p>
+            <a:r>
+              <a:rPr lang="ko-KR" altLang="en-US" dirty="0"/>
+              <a:t>얼어붙은 아스팔트 도시 위로</a:t>
+            </a:r>
           </a:p>
         </p:txBody>
       </p:sp>
@@ -1680,7 +1681,7 @@
     </p:spTree>
     <p:extLst>
       <p:ext uri="{BB962C8B-B14F-4D97-AF65-F5344CB8AC3E}">
-        <p14:creationId xmlns:p14="http://schemas.microsoft.com/office/powerpoint/2010/main" val="731899044"/>
+        <p14:creationId xmlns:p14="http://schemas.microsoft.com/office/powerpoint/2010/main" val="2461632261"/>
       </p:ext>
     </p:extLst>
   </p:cSld>
@@ -1764,7 +1765,7 @@
     </p:spTree>
     <p:extLst>
       <p:ext uri="{BB962C8B-B14F-4D97-AF65-F5344CB8AC3E}">
-        <p14:creationId xmlns:p14="http://schemas.microsoft.com/office/powerpoint/2010/main" val="3422604762"/>
+        <p14:creationId xmlns:p14="http://schemas.microsoft.com/office/powerpoint/2010/main" val="731899044"/>
       </p:ext>
     </p:extLst>
   </p:cSld>
@@ -1848,7 +1849,7 @@
     </p:spTree>
     <p:extLst>
       <p:ext uri="{BB962C8B-B14F-4D97-AF65-F5344CB8AC3E}">
-        <p14:creationId xmlns:p14="http://schemas.microsoft.com/office/powerpoint/2010/main" val="4170922567"/>
+        <p14:creationId xmlns:p14="http://schemas.microsoft.com/office/powerpoint/2010/main" val="3422604762"/>
       </p:ext>
     </p:extLst>
   </p:cSld>
@@ -1932,7 +1933,7 @@
     </p:spTree>
     <p:extLst>
       <p:ext uri="{BB962C8B-B14F-4D97-AF65-F5344CB8AC3E}">
-        <p14:creationId xmlns:p14="http://schemas.microsoft.com/office/powerpoint/2010/main" val="3531988836"/>
+        <p14:creationId xmlns:p14="http://schemas.microsoft.com/office/powerpoint/2010/main" val="4170922567"/>
       </p:ext>
     </p:extLst>
   </p:cSld>
@@ -2016,7 +2017,7 @@
     </p:spTree>
     <p:extLst>
       <p:ext uri="{BB962C8B-B14F-4D97-AF65-F5344CB8AC3E}">
-        <p14:creationId xmlns:p14="http://schemas.microsoft.com/office/powerpoint/2010/main" val="2149965162"/>
+        <p14:creationId xmlns:p14="http://schemas.microsoft.com/office/powerpoint/2010/main" val="3531988836"/>
       </p:ext>
     </p:extLst>
   </p:cSld>
@@ -2092,6 +2093,90 @@
             <a:fld id="{12E9ADDB-0586-426C-BFD8-3BE534C7F28E}" type="slidenum">
               <a:rPr lang="ko-KR" altLang="en-US" smtClean="0"/>
               <a:t>26</a:t>
+            </a:fld>
+            <a:endParaRPr lang="ko-KR" altLang="en-US"/>
+          </a:p>
+        </p:txBody>
+      </p:sp>
+    </p:spTree>
+    <p:extLst>
+      <p:ext uri="{BB962C8B-B14F-4D97-AF65-F5344CB8AC3E}">
+        <p14:creationId xmlns:p14="http://schemas.microsoft.com/office/powerpoint/2010/main" val="2149965162"/>
+      </p:ext>
+    </p:extLst>
+  </p:cSld>
+  <p:clrMapOvr>
+    <a:masterClrMapping/>
+  </p:clrMapOvr>
+</p:notes>
+</file>
+
+<file path=ppt/notesSlides/notesSlide26.xml><?xml version="1.0" encoding="utf-8"?>
+<p:notes xmlns:a="http://schemas.openxmlformats.org/drawingml/2006/main" xmlns:r="http://schemas.openxmlformats.org/officeDocument/2006/relationships" xmlns:p="http://schemas.openxmlformats.org/presentationml/2006/main">
+  <p:cSld>
+    <p:spTree>
+      <p:nvGrpSpPr>
+        <p:cNvPr id="1" name=""/>
+        <p:cNvGrpSpPr/>
+        <p:nvPr/>
+      </p:nvGrpSpPr>
+      <p:grpSpPr>
+        <a:xfrm>
+          <a:off x="0" y="0"/>
+          <a:ext cx="0" cy="0"/>
+          <a:chOff x="0" y="0"/>
+          <a:chExt cx="0" cy="0"/>
+        </a:xfrm>
+      </p:grpSpPr>
+      <p:sp>
+        <p:nvSpPr>
+          <p:cNvPr id="2" name="슬라이드 이미지 개체 틀 1"/>
+          <p:cNvSpPr>
+            <a:spLocks noGrp="1" noRot="1" noChangeAspect="1"/>
+          </p:cNvSpPr>
+          <p:nvPr>
+            <p:ph type="sldImg"/>
+          </p:nvPr>
+        </p:nvSpPr>
+        <p:spPr/>
+      </p:sp>
+      <p:sp>
+        <p:nvSpPr>
+          <p:cNvPr id="3" name="슬라이드 노트 개체 틀 2"/>
+          <p:cNvSpPr>
+            <a:spLocks noGrp="1"/>
+          </p:cNvSpPr>
+          <p:nvPr>
+            <p:ph type="body" idx="1"/>
+          </p:nvPr>
+        </p:nvSpPr>
+        <p:spPr/>
+        <p:txBody>
+          <a:bodyPr/>
+          <a:lstStyle/>
+          <a:p>
+            <a:endParaRPr lang="ko-KR" altLang="en-US" dirty="0"/>
+          </a:p>
+        </p:txBody>
+      </p:sp>
+      <p:sp>
+        <p:nvSpPr>
+          <p:cNvPr id="4" name="슬라이드 번호 개체 틀 3"/>
+          <p:cNvSpPr>
+            <a:spLocks noGrp="1"/>
+          </p:cNvSpPr>
+          <p:nvPr>
+            <p:ph type="sldNum" sz="quarter" idx="5"/>
+          </p:nvPr>
+        </p:nvSpPr>
+        <p:spPr/>
+        <p:txBody>
+          <a:bodyPr/>
+          <a:lstStyle/>
+          <a:p>
+            <a:fld id="{12E9ADDB-0586-426C-BFD8-3BE534C7F28E}" type="slidenum">
+              <a:rPr lang="ko-KR" altLang="en-US" smtClean="0"/>
+              <a:t>27</a:t>
             </a:fld>
             <a:endParaRPr lang="ko-KR" altLang="en-US"/>
           </a:p>
@@ -2520,7 +2605,7 @@
     </p:spTree>
     <p:extLst>
       <p:ext uri="{BB962C8B-B14F-4D97-AF65-F5344CB8AC3E}">
-        <p14:creationId xmlns:p14="http://schemas.microsoft.com/office/powerpoint/2010/main" val="2058017132"/>
+        <p14:creationId xmlns:p14="http://schemas.microsoft.com/office/powerpoint/2010/main" val="1870194170"/>
       </p:ext>
     </p:extLst>
   </p:cSld>
@@ -2604,7 +2689,7 @@
     </p:spTree>
     <p:extLst>
       <p:ext uri="{BB962C8B-B14F-4D97-AF65-F5344CB8AC3E}">
-        <p14:creationId xmlns:p14="http://schemas.microsoft.com/office/powerpoint/2010/main" val="2258126913"/>
+        <p14:creationId xmlns:p14="http://schemas.microsoft.com/office/powerpoint/2010/main" val="2058017132"/>
       </p:ext>
     </p:extLst>
   </p:cSld>
@@ -2688,7 +2773,7 @@
     </p:spTree>
     <p:extLst>
       <p:ext uri="{BB962C8B-B14F-4D97-AF65-F5344CB8AC3E}">
-        <p14:creationId xmlns:p14="http://schemas.microsoft.com/office/powerpoint/2010/main" val="351841873"/>
+        <p14:creationId xmlns:p14="http://schemas.microsoft.com/office/powerpoint/2010/main" val="2258126913"/>
       </p:ext>
     </p:extLst>
   </p:cSld>
@@ -6062,6 +6147,120 @@
       </p:grpSpPr>
       <p:sp>
         <p:nvSpPr>
+          <p:cNvPr id="29" name="TextBox 28">
+            <a:extLst>
+              <a:ext uri="{FF2B5EF4-FFF2-40B4-BE49-F238E27FC236}">
+                <a16:creationId xmlns:a16="http://schemas.microsoft.com/office/drawing/2014/main" id="{FAA5CCB1-D53F-4687-A021-C5ED8CC86F4B}"/>
+              </a:ext>
+            </a:extLst>
+          </p:cNvPr>
+          <p:cNvSpPr txBox="1"/>
+          <p:nvPr/>
+        </p:nvSpPr>
+        <p:spPr>
+          <a:xfrm>
+            <a:off x="4456902" y="3013359"/>
+            <a:ext cx="2858400" cy="1200329"/>
+          </a:xfrm>
+          <a:prstGeom prst="rect">
+            <a:avLst/>
+          </a:prstGeom>
+          <a:noFill/>
+          <a:ln>
+            <a:solidFill>
+              <a:schemeClr val="tx1"/>
+            </a:solidFill>
+          </a:ln>
+        </p:spPr>
+        <p:txBody>
+          <a:bodyPr wrap="square" rtlCol="0">
+            <a:spAutoFit/>
+          </a:bodyPr>
+          <a:lstStyle/>
+          <a:p>
+            <a:r>
+              <a:rPr lang="ko-KR" altLang="en-US" sz="1200" dirty="0"/>
+              <a:t>숨이 막힐 거 같이 </a:t>
+            </a:r>
+            <a:r>
+              <a:rPr lang="ko-KR" altLang="en-US" sz="1200" b="1" u="sng" dirty="0"/>
+              <a:t>뜨거웠던</a:t>
+            </a:r>
+            <a:r>
+              <a:rPr lang="ko-KR" altLang="en-US" sz="1200" dirty="0"/>
+              <a:t> 공기 속에</a:t>
+            </a:r>
+          </a:p>
+          <a:p>
+            <a:r>
+              <a:rPr lang="ko-KR" altLang="en-US" sz="1200" dirty="0"/>
+              <a:t>너의 체온이 내게 </a:t>
+            </a:r>
+            <a:r>
+              <a:rPr lang="ko-KR" altLang="en-US" sz="1200" b="1" u="sng" dirty="0" err="1"/>
+              <a:t>녹아</a:t>
+            </a:r>
+            <a:r>
+              <a:rPr lang="ko-KR" altLang="en-US" sz="1200" b="1" dirty="0" err="1"/>
+              <a:t>들어</a:t>
+            </a:r>
+            <a:r>
+              <a:rPr lang="ko-KR" altLang="en-US" sz="1200" dirty="0"/>
+              <a:t> 오고 있어</a:t>
+            </a:r>
+          </a:p>
+          <a:p>
+            <a:r>
+              <a:rPr lang="ko-KR" altLang="en-US" sz="1200" dirty="0"/>
+              <a:t>우리 둘은 </a:t>
+            </a:r>
+            <a:r>
+              <a:rPr lang="ko-KR" altLang="en-US" sz="1200" b="1" u="sng" dirty="0"/>
+              <a:t>녹지</a:t>
+            </a:r>
+            <a:r>
+              <a:rPr lang="ko-KR" altLang="en-US" sz="1200" dirty="0"/>
+              <a:t> 않을 꺼야</a:t>
+            </a:r>
+          </a:p>
+          <a:p>
+            <a:r>
+              <a:rPr lang="ko-KR" altLang="en-US" sz="1200" dirty="0"/>
+              <a:t>바다 속의 </a:t>
+            </a:r>
+            <a:r>
+              <a:rPr lang="ko-KR" altLang="en-US" sz="1200" b="1" u="sng" dirty="0"/>
+              <a:t>맨틀층까지</a:t>
+            </a:r>
+            <a:r>
+              <a:rPr lang="ko-KR" altLang="en-US" sz="1200" dirty="0"/>
+              <a:t> 녹일 꺼야</a:t>
+            </a:r>
+          </a:p>
+          <a:p>
+            <a:r>
+              <a:rPr lang="ko-KR" altLang="en-US" sz="1200" dirty="0"/>
+              <a:t>춤을 추며 </a:t>
+            </a:r>
+            <a:r>
+              <a:rPr lang="ko-KR" altLang="en-US" sz="1200" b="1" u="sng" dirty="0"/>
+              <a:t>슬픔</a:t>
+            </a:r>
+            <a:r>
+              <a:rPr lang="ko-KR" altLang="en-US" sz="1200" dirty="0"/>
+              <a:t>이랑 싸울 꺼야</a:t>
+            </a:r>
+          </a:p>
+          <a:p>
+            <a:r>
+              <a:rPr lang="ko-KR" altLang="en-US" sz="1200" dirty="0"/>
+              <a:t>얼어 붙은 아스팔트 도시 위로</a:t>
+            </a:r>
+          </a:p>
+        </p:txBody>
+      </p:sp>
+      <p:sp>
+        <p:nvSpPr>
           <p:cNvPr id="2" name="제목 1">
             <a:extLst>
               <a:ext uri="{FF2B5EF4-FFF2-40B4-BE49-F238E27FC236}">
@@ -6346,7 +6545,7 @@
         </p:nvSpPr>
         <p:spPr>
           <a:xfrm>
-            <a:off x="167634" y="3572197"/>
+            <a:off x="184529" y="4121023"/>
             <a:ext cx="441530" cy="218702"/>
           </a:xfrm>
           <a:prstGeom prst="rightArrow">
@@ -6419,128 +6618,10 @@
           </a:p>
         </p:txBody>
       </p:sp>
-      <p:sp>
-        <p:nvSpPr>
-          <p:cNvPr id="10" name="TextBox 9">
-            <a:extLst>
-              <a:ext uri="{FF2B5EF4-FFF2-40B4-BE49-F238E27FC236}">
-                <a16:creationId xmlns:a16="http://schemas.microsoft.com/office/drawing/2014/main" id="{BD0D9CD5-D3B9-4009-AC75-C21B5B42CB0F}"/>
-              </a:ext>
-            </a:extLst>
-          </p:cNvPr>
-          <p:cNvSpPr txBox="1"/>
-          <p:nvPr/>
-        </p:nvSpPr>
-        <p:spPr>
-          <a:xfrm>
-            <a:off x="4456902" y="3013359"/>
-            <a:ext cx="2858400" cy="1200329"/>
-          </a:xfrm>
-          <a:prstGeom prst="rect">
-            <a:avLst/>
-          </a:prstGeom>
-          <a:noFill/>
-          <a:ln>
-            <a:solidFill>
-              <a:schemeClr val="tx1"/>
-            </a:solidFill>
-          </a:ln>
-        </p:spPr>
-        <p:txBody>
-          <a:bodyPr wrap="square" rtlCol="0">
-            <a:spAutoFit/>
-          </a:bodyPr>
-          <a:lstStyle/>
-          <a:p>
-            <a:r>
-              <a:rPr lang="ko-KR" altLang="en-US" sz="1200" dirty="0"/>
-              <a:t>숨이 막힐 거 같이 </a:t>
-            </a:r>
-            <a:r>
-              <a:rPr lang="ko-KR" altLang="en-US" sz="1200" dirty="0">
-                <a:solidFill>
-                  <a:srgbClr val="FF0000"/>
-                </a:solidFill>
-              </a:rPr>
-              <a:t>차가웠던</a:t>
-            </a:r>
-            <a:r>
-              <a:rPr lang="ko-KR" altLang="en-US" sz="1200" dirty="0"/>
-              <a:t> 공기 속에</a:t>
-            </a:r>
-          </a:p>
-          <a:p>
-            <a:r>
-              <a:rPr lang="ko-KR" altLang="en-US" sz="1200" dirty="0"/>
-              <a:t>너의 체온이 내게 </a:t>
-            </a:r>
-            <a:r>
-              <a:rPr lang="ko-KR" altLang="en-US" sz="1200" b="1" u="sng" dirty="0" err="1"/>
-              <a:t>녹아들어</a:t>
-            </a:r>
-            <a:r>
-              <a:rPr lang="ko-KR" altLang="en-US" sz="1200" dirty="0"/>
-              <a:t> 오고 있어</a:t>
-            </a:r>
-          </a:p>
-          <a:p>
-            <a:r>
-              <a:rPr lang="ko-KR" altLang="en-US" sz="1200" dirty="0"/>
-              <a:t>우리 둘은 </a:t>
-            </a:r>
-            <a:r>
-              <a:rPr lang="ko-KR" altLang="en-US" sz="1200" b="1" u="sng" dirty="0"/>
-              <a:t>녹지</a:t>
-            </a:r>
-            <a:r>
-              <a:rPr lang="ko-KR" altLang="en-US" sz="1200" dirty="0"/>
-              <a:t> 않을 꺼야</a:t>
-            </a:r>
-          </a:p>
-          <a:p>
-            <a:r>
-              <a:rPr lang="ko-KR" altLang="en-US" sz="1200" dirty="0"/>
-              <a:t>바다 속의 </a:t>
-            </a:r>
-            <a:r>
-              <a:rPr lang="ko-KR" altLang="en-US" sz="1200" b="1" u="sng" dirty="0"/>
-              <a:t>맨틀층까지</a:t>
-            </a:r>
-            <a:r>
-              <a:rPr lang="ko-KR" altLang="en-US" sz="1200" dirty="0"/>
-              <a:t> 녹일 꺼야</a:t>
-            </a:r>
-          </a:p>
-          <a:p>
-            <a:r>
-              <a:rPr lang="ko-KR" altLang="en-US" sz="1200" dirty="0"/>
-              <a:t>춤을 추며 </a:t>
-            </a:r>
-            <a:r>
-              <a:rPr lang="ko-KR" altLang="en-US" sz="1200" dirty="0">
-                <a:solidFill>
-                  <a:srgbClr val="FF0000"/>
-                </a:solidFill>
-              </a:rPr>
-              <a:t>절망</a:t>
-            </a:r>
-            <a:r>
-              <a:rPr lang="ko-KR" altLang="en-US" sz="1200" dirty="0"/>
-              <a:t>이랑 싸울 꺼야</a:t>
-            </a:r>
-          </a:p>
-          <a:p>
-            <a:r>
-              <a:rPr lang="ko-KR" altLang="en-US" sz="1200" dirty="0"/>
-              <a:t>얼어 붙은 아스팔트 도시 위로</a:t>
-            </a:r>
-          </a:p>
-        </p:txBody>
-      </p:sp>
     </p:spTree>
     <p:extLst>
       <p:ext uri="{BB962C8B-B14F-4D97-AF65-F5344CB8AC3E}">
-        <p14:creationId xmlns:p14="http://schemas.microsoft.com/office/powerpoint/2010/main" val="109558299"/>
+        <p14:creationId xmlns:p14="http://schemas.microsoft.com/office/powerpoint/2010/main" val="1903098490"/>
       </p:ext>
     </p:extLst>
   </p:cSld>
@@ -6853,7 +6934,7 @@
         </p:nvSpPr>
         <p:spPr>
           <a:xfrm>
-            <a:off x="168317" y="3833581"/>
+            <a:off x="167634" y="3572197"/>
             <a:ext cx="441530" cy="218702"/>
           </a:xfrm>
           <a:prstGeom prst="rightArrow">
@@ -6983,11 +7064,7 @@
             </a:r>
             <a:r>
               <a:rPr lang="ko-KR" altLang="en-US" sz="1200" b="1" u="sng" dirty="0" err="1"/>
-              <a:t>녹아</a:t>
-            </a:r>
-            <a:r>
-              <a:rPr lang="ko-KR" altLang="en-US" sz="1200" b="1" dirty="0" err="1"/>
-              <a:t>들어</a:t>
+              <a:t>녹아들어</a:t>
             </a:r>
             <a:r>
               <a:rPr lang="ko-KR" altLang="en-US" sz="1200" dirty="0"/>
@@ -7028,8 +7105,12 @@
               <a:t>춤을 추며 </a:t>
             </a:r>
             <a:r>
-              <a:rPr lang="ko-KR" altLang="en-US" sz="1200" b="1" u="sng" dirty="0"/>
-              <a:t>슬픔</a:t>
+              <a:rPr lang="ko-KR" altLang="en-US" sz="1200" dirty="0">
+                <a:solidFill>
+                  <a:srgbClr val="FF0000"/>
+                </a:solidFill>
+              </a:rPr>
+              <a:t>절망</a:t>
             </a:r>
             <a:r>
               <a:rPr lang="ko-KR" altLang="en-US" sz="1200" dirty="0"/>
@@ -7047,7 +7128,7 @@
     </p:spTree>
     <p:extLst>
       <p:ext uri="{BB962C8B-B14F-4D97-AF65-F5344CB8AC3E}">
-        <p14:creationId xmlns:p14="http://schemas.microsoft.com/office/powerpoint/2010/main" val="3325689052"/>
+        <p14:creationId xmlns:p14="http://schemas.microsoft.com/office/powerpoint/2010/main" val="109558299"/>
       </p:ext>
     </p:extLst>
   </p:cSld>
@@ -7097,7 +7178,15 @@
           <a:p>
             <a:r>
               <a:rPr lang="en-US" altLang="ko-KR" dirty="0"/>
-              <a:t>Git command : Clone</a:t>
+              <a:t>Git</a:t>
+            </a:r>
+            <a:r>
+              <a:rPr lang="ko-KR" altLang="en-US" dirty="0"/>
+              <a:t>을 쓰면 </a:t>
+            </a:r>
+            <a:r>
+              <a:rPr lang="en-US" altLang="ko-KR" dirty="0"/>
+              <a:t>2</a:t>
             </a:r>
             <a:endParaRPr lang="ko-KR" altLang="en-US" dirty="0"/>
           </a:p>
@@ -7108,7 +7197,7 @@
           <p:cNvPr id="3" name="슬라이드 번호 개체 틀 2">
             <a:extLst>
               <a:ext uri="{FF2B5EF4-FFF2-40B4-BE49-F238E27FC236}">
-                <a16:creationId xmlns:a16="http://schemas.microsoft.com/office/drawing/2014/main" id="{03837179-CD6E-4CAB-BD23-4F4D091DFDB6}"/>
+                <a16:creationId xmlns:a16="http://schemas.microsoft.com/office/drawing/2014/main" id="{BC938880-9758-47A8-8157-58F7E8B313A0}"/>
               </a:ext>
             </a:extLst>
           </p:cNvPr>
@@ -7127,6 +7216,505 @@
             <a:fld id="{218E8BD7-F182-4B37-9978-F83F0E1A36DD}" type="slidenum">
               <a:rPr lang="ko-KR" altLang="en-US" smtClean="0"/>
               <a:t>12</a:t>
+            </a:fld>
+            <a:endParaRPr lang="ko-KR" altLang="en-US"/>
+          </a:p>
+        </p:txBody>
+      </p:sp>
+      <p:pic>
+        <p:nvPicPr>
+          <p:cNvPr id="9" name="그림 8">
+            <a:extLst>
+              <a:ext uri="{FF2B5EF4-FFF2-40B4-BE49-F238E27FC236}">
+                <a16:creationId xmlns:a16="http://schemas.microsoft.com/office/drawing/2014/main" id="{6CEAEC73-74E9-49E7-B432-7C0450F206AD}"/>
+              </a:ext>
+            </a:extLst>
+          </p:cNvPr>
+          <p:cNvPicPr>
+            <a:picLocks noChangeAspect="1"/>
+          </p:cNvPicPr>
+          <p:nvPr/>
+        </p:nvPicPr>
+        <p:blipFill>
+          <a:blip r:embed="rId3"/>
+          <a:stretch>
+            <a:fillRect/>
+          </a:stretch>
+        </p:blipFill>
+        <p:spPr>
+          <a:xfrm>
+            <a:off x="8062453" y="2342711"/>
+            <a:ext cx="6582694" cy="2981741"/>
+          </a:xfrm>
+          <a:prstGeom prst="rect">
+            <a:avLst/>
+          </a:prstGeom>
+        </p:spPr>
+      </p:pic>
+      <p:sp>
+        <p:nvSpPr>
+          <p:cNvPr id="12" name="TextBox 11">
+            <a:extLst>
+              <a:ext uri="{FF2B5EF4-FFF2-40B4-BE49-F238E27FC236}">
+                <a16:creationId xmlns:a16="http://schemas.microsoft.com/office/drawing/2014/main" id="{7872DE88-A5F4-432C-A6C2-23A984D63D6F}"/>
+              </a:ext>
+            </a:extLst>
+          </p:cNvPr>
+          <p:cNvSpPr txBox="1"/>
+          <p:nvPr/>
+        </p:nvSpPr>
+        <p:spPr>
+          <a:xfrm>
+            <a:off x="626059" y="2148944"/>
+            <a:ext cx="1819729" cy="369332"/>
+          </a:xfrm>
+          <a:prstGeom prst="rect">
+            <a:avLst/>
+          </a:prstGeom>
+          <a:noFill/>
+        </p:spPr>
+        <p:txBody>
+          <a:bodyPr wrap="none" rtlCol="0">
+            <a:spAutoFit/>
+          </a:bodyPr>
+          <a:lstStyle/>
+          <a:p>
+            <a:r>
+              <a:rPr lang="en-US" altLang="ko-KR" dirty="0"/>
+              <a:t>Git Commit List</a:t>
+            </a:r>
+            <a:endParaRPr lang="ko-KR" altLang="en-US" dirty="0"/>
+          </a:p>
+        </p:txBody>
+      </p:sp>
+      <p:sp>
+        <p:nvSpPr>
+          <p:cNvPr id="13" name="TextBox 12">
+            <a:extLst>
+              <a:ext uri="{FF2B5EF4-FFF2-40B4-BE49-F238E27FC236}">
+                <a16:creationId xmlns:a16="http://schemas.microsoft.com/office/drawing/2014/main" id="{3CD59E8D-69CF-4BE5-8916-DFA247674B41}"/>
+              </a:ext>
+            </a:extLst>
+          </p:cNvPr>
+          <p:cNvSpPr txBox="1"/>
+          <p:nvPr/>
+        </p:nvSpPr>
+        <p:spPr>
+          <a:xfrm>
+            <a:off x="680314" y="2664580"/>
+            <a:ext cx="3635654" cy="1754326"/>
+          </a:xfrm>
+          <a:prstGeom prst="rect">
+            <a:avLst/>
+          </a:prstGeom>
+          <a:noFill/>
+        </p:spPr>
+        <p:txBody>
+          <a:bodyPr wrap="square" rtlCol="0">
+            <a:spAutoFit/>
+          </a:bodyPr>
+          <a:lstStyle/>
+          <a:p>
+            <a:pPr marL="342900" indent="-342900">
+              <a:buAutoNum type="arabicPeriod"/>
+            </a:pPr>
+            <a:r>
+              <a:rPr lang="ko-KR" altLang="en-US" dirty="0"/>
+              <a:t>가사초안</a:t>
+            </a:r>
+            <a:endParaRPr lang="en-US" altLang="ko-KR" dirty="0"/>
+          </a:p>
+          <a:p>
+            <a:pPr marL="342900" indent="-342900">
+              <a:buAutoNum type="arabicPeriod"/>
+            </a:pPr>
+            <a:r>
+              <a:rPr lang="ko-KR" altLang="en-US" dirty="0"/>
+              <a:t>얼어붙지 </a:t>
+            </a:r>
+            <a:r>
+              <a:rPr lang="en-US" altLang="ko-KR" dirty="0"/>
+              <a:t>&gt; </a:t>
+            </a:r>
+            <a:r>
+              <a:rPr lang="ko-KR" altLang="en-US" dirty="0"/>
+              <a:t>녹지로 수정</a:t>
+            </a:r>
+            <a:endParaRPr lang="en-US" altLang="ko-KR" dirty="0"/>
+          </a:p>
+          <a:p>
+            <a:pPr marL="342900" indent="-342900">
+              <a:buAutoNum type="arabicPeriod"/>
+            </a:pPr>
+            <a:r>
+              <a:rPr lang="ko-KR" altLang="en-US" dirty="0"/>
+              <a:t>모래 </a:t>
+            </a:r>
+            <a:r>
+              <a:rPr lang="en-US" altLang="ko-KR" dirty="0"/>
+              <a:t>&gt; </a:t>
+            </a:r>
+            <a:r>
+              <a:rPr lang="ko-KR" altLang="en-US" dirty="0"/>
+              <a:t>맨틀층으로 수정</a:t>
+            </a:r>
+            <a:endParaRPr lang="en-US" altLang="ko-KR" dirty="0"/>
+          </a:p>
+          <a:p>
+            <a:pPr marL="342900" indent="-342900">
+              <a:buAutoNum type="arabicPeriod"/>
+            </a:pPr>
+            <a:r>
+              <a:rPr lang="ko-KR" altLang="en-US" dirty="0"/>
+              <a:t>스며 </a:t>
+            </a:r>
+            <a:r>
+              <a:rPr lang="en-US" altLang="ko-KR" dirty="0"/>
+              <a:t>&gt; </a:t>
+            </a:r>
+            <a:r>
+              <a:rPr lang="ko-KR" altLang="en-US" dirty="0"/>
+              <a:t>녹아 로 수정</a:t>
+            </a:r>
+            <a:endParaRPr lang="en-US" altLang="ko-KR" dirty="0"/>
+          </a:p>
+          <a:p>
+            <a:pPr marL="342900" indent="-342900">
+              <a:buAutoNum type="arabicPeriod"/>
+            </a:pPr>
+            <a:r>
+              <a:rPr lang="ko-KR" altLang="en-US" dirty="0"/>
+              <a:t>절망 </a:t>
+            </a:r>
+            <a:r>
+              <a:rPr lang="en-US" altLang="ko-KR" dirty="0"/>
+              <a:t>&gt; </a:t>
+            </a:r>
+            <a:r>
+              <a:rPr lang="ko-KR" altLang="en-US" dirty="0"/>
+              <a:t>슬픔으로 수정</a:t>
+            </a:r>
+            <a:endParaRPr lang="en-US" altLang="ko-KR" dirty="0"/>
+          </a:p>
+          <a:p>
+            <a:pPr marL="342900" indent="-342900">
+              <a:buAutoNum type="arabicPeriod"/>
+            </a:pPr>
+            <a:r>
+              <a:rPr lang="en-US" altLang="ko-KR" dirty="0"/>
+              <a:t>(</a:t>
+            </a:r>
+            <a:r>
+              <a:rPr lang="ko-KR" altLang="en-US" dirty="0"/>
+              <a:t>최종</a:t>
+            </a:r>
+            <a:r>
+              <a:rPr lang="en-US" altLang="ko-KR" dirty="0"/>
+              <a:t>) </a:t>
+            </a:r>
+            <a:r>
+              <a:rPr lang="ko-KR" altLang="en-US" dirty="0"/>
+              <a:t>차가웠던 </a:t>
+            </a:r>
+            <a:r>
+              <a:rPr lang="en-US" altLang="ko-KR" dirty="0"/>
+              <a:t>&gt; </a:t>
+            </a:r>
+            <a:r>
+              <a:rPr lang="ko-KR" altLang="en-US" dirty="0"/>
+              <a:t>뜨거웠던</a:t>
+            </a:r>
+          </a:p>
+        </p:txBody>
+      </p:sp>
+      <p:sp>
+        <p:nvSpPr>
+          <p:cNvPr id="22" name="화살표: 오른쪽 21">
+            <a:extLst>
+              <a:ext uri="{FF2B5EF4-FFF2-40B4-BE49-F238E27FC236}">
+                <a16:creationId xmlns:a16="http://schemas.microsoft.com/office/drawing/2014/main" id="{168767F1-59DA-4D7D-8D7F-7A3B8F95C355}"/>
+              </a:ext>
+            </a:extLst>
+          </p:cNvPr>
+          <p:cNvSpPr/>
+          <p:nvPr/>
+        </p:nvSpPr>
+        <p:spPr>
+          <a:xfrm>
+            <a:off x="168317" y="3833581"/>
+            <a:ext cx="441530" cy="218702"/>
+          </a:xfrm>
+          <a:prstGeom prst="rightArrow">
+            <a:avLst/>
+          </a:prstGeom>
+        </p:spPr>
+        <p:style>
+          <a:lnRef idx="2">
+            <a:schemeClr val="accent1">
+              <a:shade val="50000"/>
+            </a:schemeClr>
+          </a:lnRef>
+          <a:fillRef idx="1">
+            <a:schemeClr val="accent1"/>
+          </a:fillRef>
+          <a:effectRef idx="0">
+            <a:schemeClr val="accent1"/>
+          </a:effectRef>
+          <a:fontRef idx="minor">
+            <a:schemeClr val="lt1"/>
+          </a:fontRef>
+        </p:style>
+        <p:txBody>
+          <a:bodyPr rtlCol="0" anchor="ctr"/>
+          <a:lstStyle/>
+          <a:p>
+            <a:pPr algn="ctr"/>
+            <a:endParaRPr lang="ko-KR" altLang="en-US"/>
+          </a:p>
+        </p:txBody>
+      </p:sp>
+      <p:sp>
+        <p:nvSpPr>
+          <p:cNvPr id="28" name="TextBox 27">
+            <a:extLst>
+              <a:ext uri="{FF2B5EF4-FFF2-40B4-BE49-F238E27FC236}">
+                <a16:creationId xmlns:a16="http://schemas.microsoft.com/office/drawing/2014/main" id="{EAE81237-86E8-48F8-9415-A583AFA2D915}"/>
+              </a:ext>
+            </a:extLst>
+          </p:cNvPr>
+          <p:cNvSpPr txBox="1"/>
+          <p:nvPr/>
+        </p:nvSpPr>
+        <p:spPr>
+          <a:xfrm>
+            <a:off x="5200273" y="4261840"/>
+            <a:ext cx="1365196" cy="276999"/>
+          </a:xfrm>
+          <a:prstGeom prst="rect">
+            <a:avLst/>
+          </a:prstGeom>
+          <a:noFill/>
+        </p:spPr>
+        <p:txBody>
+          <a:bodyPr wrap="square" rtlCol="0">
+            <a:spAutoFit/>
+          </a:bodyPr>
+          <a:lstStyle/>
+          <a:p>
+            <a:pPr algn="ctr"/>
+            <a:r>
+              <a:rPr lang="ko-KR" altLang="en-US" sz="1200" dirty="0"/>
+              <a:t>가사</a:t>
+            </a:r>
+            <a:r>
+              <a:rPr lang="en-US" altLang="ko-KR" sz="1200" dirty="0"/>
+              <a:t>.txt</a:t>
+            </a:r>
+            <a:endParaRPr lang="ko-KR" altLang="en-US" sz="1200" dirty="0"/>
+          </a:p>
+        </p:txBody>
+      </p:sp>
+      <p:sp>
+        <p:nvSpPr>
+          <p:cNvPr id="10" name="TextBox 9">
+            <a:extLst>
+              <a:ext uri="{FF2B5EF4-FFF2-40B4-BE49-F238E27FC236}">
+                <a16:creationId xmlns:a16="http://schemas.microsoft.com/office/drawing/2014/main" id="{BD0D9CD5-D3B9-4009-AC75-C21B5B42CB0F}"/>
+              </a:ext>
+            </a:extLst>
+          </p:cNvPr>
+          <p:cNvSpPr txBox="1"/>
+          <p:nvPr/>
+        </p:nvSpPr>
+        <p:spPr>
+          <a:xfrm>
+            <a:off x="4456902" y="3013359"/>
+            <a:ext cx="2858400" cy="1200329"/>
+          </a:xfrm>
+          <a:prstGeom prst="rect">
+            <a:avLst/>
+          </a:prstGeom>
+          <a:noFill/>
+          <a:ln>
+            <a:solidFill>
+              <a:schemeClr val="tx1"/>
+            </a:solidFill>
+          </a:ln>
+        </p:spPr>
+        <p:txBody>
+          <a:bodyPr wrap="square" rtlCol="0">
+            <a:spAutoFit/>
+          </a:bodyPr>
+          <a:lstStyle/>
+          <a:p>
+            <a:r>
+              <a:rPr lang="ko-KR" altLang="en-US" sz="1200" dirty="0"/>
+              <a:t>숨이 막힐 거 같이 </a:t>
+            </a:r>
+            <a:r>
+              <a:rPr lang="ko-KR" altLang="en-US" sz="1200" dirty="0">
+                <a:solidFill>
+                  <a:srgbClr val="FF0000"/>
+                </a:solidFill>
+              </a:rPr>
+              <a:t>차가웠던</a:t>
+            </a:r>
+            <a:r>
+              <a:rPr lang="ko-KR" altLang="en-US" sz="1200" dirty="0"/>
+              <a:t> 공기 속에</a:t>
+            </a:r>
+          </a:p>
+          <a:p>
+            <a:r>
+              <a:rPr lang="ko-KR" altLang="en-US" sz="1200" dirty="0"/>
+              <a:t>너의 체온이 내게 </a:t>
+            </a:r>
+            <a:r>
+              <a:rPr lang="ko-KR" altLang="en-US" sz="1200" b="1" u="sng" dirty="0" err="1"/>
+              <a:t>녹아</a:t>
+            </a:r>
+            <a:r>
+              <a:rPr lang="ko-KR" altLang="en-US" sz="1200" b="1" dirty="0" err="1"/>
+              <a:t>들어</a:t>
+            </a:r>
+            <a:r>
+              <a:rPr lang="ko-KR" altLang="en-US" sz="1200" dirty="0"/>
+              <a:t> 오고 있어</a:t>
+            </a:r>
+          </a:p>
+          <a:p>
+            <a:r>
+              <a:rPr lang="ko-KR" altLang="en-US" sz="1200" dirty="0"/>
+              <a:t>우리 둘은 </a:t>
+            </a:r>
+            <a:r>
+              <a:rPr lang="ko-KR" altLang="en-US" sz="1200" b="1" u="sng" dirty="0"/>
+              <a:t>녹지</a:t>
+            </a:r>
+            <a:r>
+              <a:rPr lang="ko-KR" altLang="en-US" sz="1200" dirty="0"/>
+              <a:t> 않을 꺼야</a:t>
+            </a:r>
+          </a:p>
+          <a:p>
+            <a:r>
+              <a:rPr lang="ko-KR" altLang="en-US" sz="1200" dirty="0"/>
+              <a:t>바다 속의 </a:t>
+            </a:r>
+            <a:r>
+              <a:rPr lang="ko-KR" altLang="en-US" sz="1200" b="1" u="sng" dirty="0"/>
+              <a:t>맨틀층까지</a:t>
+            </a:r>
+            <a:r>
+              <a:rPr lang="ko-KR" altLang="en-US" sz="1200" dirty="0"/>
+              <a:t> 녹일 꺼야</a:t>
+            </a:r>
+          </a:p>
+          <a:p>
+            <a:r>
+              <a:rPr lang="ko-KR" altLang="en-US" sz="1200" dirty="0"/>
+              <a:t>춤을 추며 </a:t>
+            </a:r>
+            <a:r>
+              <a:rPr lang="ko-KR" altLang="en-US" sz="1200" b="1" u="sng" dirty="0"/>
+              <a:t>슬픔</a:t>
+            </a:r>
+            <a:r>
+              <a:rPr lang="ko-KR" altLang="en-US" sz="1200" dirty="0"/>
+              <a:t>이랑 싸울 꺼야</a:t>
+            </a:r>
+          </a:p>
+          <a:p>
+            <a:r>
+              <a:rPr lang="ko-KR" altLang="en-US" sz="1200" dirty="0"/>
+              <a:t>얼어 붙은 아스팔트 도시 위로</a:t>
+            </a:r>
+          </a:p>
+        </p:txBody>
+      </p:sp>
+    </p:spTree>
+    <p:extLst>
+      <p:ext uri="{BB962C8B-B14F-4D97-AF65-F5344CB8AC3E}">
+        <p14:creationId xmlns:p14="http://schemas.microsoft.com/office/powerpoint/2010/main" val="3325689052"/>
+      </p:ext>
+    </p:extLst>
+  </p:cSld>
+  <p:clrMapOvr>
+    <a:masterClrMapping/>
+  </p:clrMapOvr>
+</p:sld>
+</file>
+
+<file path=ppt/slides/slide13.xml><?xml version="1.0" encoding="utf-8"?>
+<p:sld xmlns:a="http://schemas.openxmlformats.org/drawingml/2006/main" xmlns:r="http://schemas.openxmlformats.org/officeDocument/2006/relationships" xmlns:p="http://schemas.openxmlformats.org/presentationml/2006/main">
+  <p:cSld>
+    <p:spTree>
+      <p:nvGrpSpPr>
+        <p:cNvPr id="1" name=""/>
+        <p:cNvGrpSpPr/>
+        <p:nvPr/>
+      </p:nvGrpSpPr>
+      <p:grpSpPr>
+        <a:xfrm>
+          <a:off x="0" y="0"/>
+          <a:ext cx="0" cy="0"/>
+          <a:chOff x="0" y="0"/>
+          <a:chExt cx="0" cy="0"/>
+        </a:xfrm>
+      </p:grpSpPr>
+      <p:sp>
+        <p:nvSpPr>
+          <p:cNvPr id="2" name="제목 1">
+            <a:extLst>
+              <a:ext uri="{FF2B5EF4-FFF2-40B4-BE49-F238E27FC236}">
+                <a16:creationId xmlns:a16="http://schemas.microsoft.com/office/drawing/2014/main" id="{672A6FBF-DD5F-4EB2-9378-E626E47411B8}"/>
+              </a:ext>
+            </a:extLst>
+          </p:cNvPr>
+          <p:cNvSpPr>
+            <a:spLocks noGrp="1"/>
+          </p:cNvSpPr>
+          <p:nvPr>
+            <p:ph type="title"/>
+          </p:nvPr>
+        </p:nvSpPr>
+        <p:spPr/>
+        <p:txBody>
+          <a:bodyPr/>
+          <a:lstStyle/>
+          <a:p>
+            <a:r>
+              <a:rPr lang="en-US" altLang="ko-KR" dirty="0"/>
+              <a:t>Git command : Clone</a:t>
+            </a:r>
+            <a:endParaRPr lang="ko-KR" altLang="en-US" dirty="0"/>
+          </a:p>
+        </p:txBody>
+      </p:sp>
+      <p:sp>
+        <p:nvSpPr>
+          <p:cNvPr id="3" name="슬라이드 번호 개체 틀 2">
+            <a:extLst>
+              <a:ext uri="{FF2B5EF4-FFF2-40B4-BE49-F238E27FC236}">
+                <a16:creationId xmlns:a16="http://schemas.microsoft.com/office/drawing/2014/main" id="{03837179-CD6E-4CAB-BD23-4F4D091DFDB6}"/>
+              </a:ext>
+            </a:extLst>
+          </p:cNvPr>
+          <p:cNvSpPr>
+            <a:spLocks noGrp="1"/>
+          </p:cNvSpPr>
+          <p:nvPr>
+            <p:ph type="sldNum" sz="quarter" idx="12"/>
+          </p:nvPr>
+        </p:nvSpPr>
+        <p:spPr/>
+        <p:txBody>
+          <a:bodyPr/>
+          <a:lstStyle/>
+          <a:p>
+            <a:fld id="{218E8BD7-F182-4B37-9978-F83F0E1A36DD}" type="slidenum">
+              <a:rPr lang="ko-KR" altLang="en-US" smtClean="0"/>
+              <a:t>13</a:t>
             </a:fld>
             <a:endParaRPr lang="ko-KR" altLang="en-US"/>
           </a:p>
@@ -7650,7 +8238,7 @@
 </p:sld>
 </file>
 
-<file path=ppt/slides/slide13.xml><?xml version="1.0" encoding="utf-8"?>
+<file path=ppt/slides/slide14.xml><?xml version="1.0" encoding="utf-8"?>
 <p:sld xmlns:a="http://schemas.openxmlformats.org/drawingml/2006/main" xmlns:r="http://schemas.openxmlformats.org/officeDocument/2006/relationships" xmlns:p="http://schemas.openxmlformats.org/presentationml/2006/main">
   <p:cSld>
     <p:spTree>
@@ -7762,7 +8350,7 @@
           <a:p>
             <a:fld id="{218E8BD7-F182-4B37-9978-F83F0E1A36DD}" type="slidenum">
               <a:rPr lang="ko-KR" altLang="en-US" smtClean="0"/>
-              <a:t>13</a:t>
+              <a:t>14</a:t>
             </a:fld>
             <a:endParaRPr lang="ko-KR" altLang="en-US"/>
           </a:p>
@@ -8424,160 +9012,6 @@
 </p:sld>
 </file>
 
-<file path=ppt/slides/slide14.xml><?xml version="1.0" encoding="utf-8"?>
-<p:sld xmlns:a="http://schemas.openxmlformats.org/drawingml/2006/main" xmlns:r="http://schemas.openxmlformats.org/officeDocument/2006/relationships" xmlns:p="http://schemas.openxmlformats.org/presentationml/2006/main">
-  <p:cSld>
-    <p:spTree>
-      <p:nvGrpSpPr>
-        <p:cNvPr id="1" name=""/>
-        <p:cNvGrpSpPr/>
-        <p:nvPr/>
-      </p:nvGrpSpPr>
-      <p:grpSpPr>
-        <a:xfrm>
-          <a:off x="0" y="0"/>
-          <a:ext cx="0" cy="0"/>
-          <a:chOff x="0" y="0"/>
-          <a:chExt cx="0" cy="0"/>
-        </a:xfrm>
-      </p:grpSpPr>
-      <p:sp>
-        <p:nvSpPr>
-          <p:cNvPr id="2" name="제목 1">
-            <a:extLst>
-              <a:ext uri="{FF2B5EF4-FFF2-40B4-BE49-F238E27FC236}">
-                <a16:creationId xmlns:a16="http://schemas.microsoft.com/office/drawing/2014/main" id="{672A6FBF-DD5F-4EB2-9378-E626E47411B8}"/>
-              </a:ext>
-            </a:extLst>
-          </p:cNvPr>
-          <p:cNvSpPr>
-            <a:spLocks noGrp="1"/>
-          </p:cNvSpPr>
-          <p:nvPr>
-            <p:ph type="title"/>
-          </p:nvPr>
-        </p:nvSpPr>
-        <p:spPr/>
-        <p:txBody>
-          <a:bodyPr/>
-          <a:lstStyle/>
-          <a:p>
-            <a:r>
-              <a:rPr lang="en-US" altLang="ko-KR" dirty="0"/>
-              <a:t>Git command : Pull</a:t>
-            </a:r>
-            <a:endParaRPr lang="ko-KR" altLang="en-US" dirty="0"/>
-          </a:p>
-        </p:txBody>
-      </p:sp>
-      <p:sp>
-        <p:nvSpPr>
-          <p:cNvPr id="3" name="슬라이드 번호 개체 틀 2">
-            <a:extLst>
-              <a:ext uri="{FF2B5EF4-FFF2-40B4-BE49-F238E27FC236}">
-                <a16:creationId xmlns:a16="http://schemas.microsoft.com/office/drawing/2014/main" id="{03837179-CD6E-4CAB-BD23-4F4D091DFDB6}"/>
-              </a:ext>
-            </a:extLst>
-          </p:cNvPr>
-          <p:cNvSpPr>
-            <a:spLocks noGrp="1"/>
-          </p:cNvSpPr>
-          <p:nvPr>
-            <p:ph type="sldNum" sz="quarter" idx="12"/>
-          </p:nvPr>
-        </p:nvSpPr>
-        <p:spPr/>
-        <p:txBody>
-          <a:bodyPr/>
-          <a:lstStyle/>
-          <a:p>
-            <a:fld id="{218E8BD7-F182-4B37-9978-F83F0E1A36DD}" type="slidenum">
-              <a:rPr lang="ko-KR" altLang="en-US" smtClean="0"/>
-              <a:t>14</a:t>
-            </a:fld>
-            <a:endParaRPr lang="ko-KR" altLang="en-US"/>
-          </a:p>
-        </p:txBody>
-      </p:sp>
-      <p:sp>
-        <p:nvSpPr>
-          <p:cNvPr id="8" name="내용 개체 틀 5">
-            <a:extLst>
-              <a:ext uri="{FF2B5EF4-FFF2-40B4-BE49-F238E27FC236}">
-                <a16:creationId xmlns:a16="http://schemas.microsoft.com/office/drawing/2014/main" id="{BC16E234-D07A-44AE-B26B-858F57112753}"/>
-              </a:ext>
-            </a:extLst>
-          </p:cNvPr>
-          <p:cNvSpPr>
-            <a:spLocks noGrp="1"/>
-          </p:cNvSpPr>
-          <p:nvPr>
-            <p:ph idx="1"/>
-          </p:nvPr>
-        </p:nvSpPr>
-        <p:spPr>
-          <a:xfrm>
-            <a:off x="838200" y="1825625"/>
-            <a:ext cx="10515600" cy="4351338"/>
-          </a:xfrm>
-        </p:spPr>
-        <p:txBody>
-          <a:bodyPr/>
-          <a:lstStyle/>
-          <a:p>
-            <a:r>
-              <a:rPr lang="en-US" altLang="ko-KR" dirty="0"/>
-              <a:t>Remote </a:t>
-            </a:r>
-            <a:r>
-              <a:rPr lang="ko-KR" altLang="en-US" dirty="0"/>
-              <a:t>서버의 내용을 </a:t>
-            </a:r>
-            <a:r>
-              <a:rPr lang="en-US" altLang="ko-KR" dirty="0"/>
-              <a:t>Local</a:t>
-            </a:r>
-            <a:r>
-              <a:rPr lang="ko-KR" altLang="en-US" dirty="0"/>
-              <a:t>서버에 합치는 것</a:t>
-            </a:r>
-            <a:endParaRPr lang="en-US" altLang="ko-KR" dirty="0"/>
-          </a:p>
-          <a:p>
-            <a:endParaRPr lang="en-US" altLang="ko-KR" dirty="0"/>
-          </a:p>
-          <a:p>
-            <a:r>
-              <a:rPr lang="en-US" altLang="ko-KR" dirty="0"/>
-              <a:t>Local</a:t>
-            </a:r>
-            <a:r>
-              <a:rPr lang="ko-KR" altLang="en-US" dirty="0"/>
-              <a:t>을 최신화</a:t>
-            </a:r>
-            <a:endParaRPr lang="en-US" altLang="ko-KR" dirty="0"/>
-          </a:p>
-          <a:p>
-            <a:pPr marL="0" indent="0">
-              <a:buNone/>
-            </a:pPr>
-            <a:endParaRPr lang="ko-KR" altLang="en-US" dirty="0"/>
-          </a:p>
-        </p:txBody>
-      </p:sp>
-    </p:spTree>
-    <p:extLst>
-      <p:ext uri="{BB962C8B-B14F-4D97-AF65-F5344CB8AC3E}">
-        <p14:creationId xmlns:p14="http://schemas.microsoft.com/office/powerpoint/2010/main" val="1802056109"/>
-      </p:ext>
-    </p:extLst>
-  </p:cSld>
-  <p:clrMapOvr>
-    <a:masterClrMapping/>
-  </p:clrMapOvr>
-</p:sld>
-</file>
-
 <file path=ppt/slides/slide15.xml><?xml version="1.0" encoding="utf-8"?>
 <p:sld xmlns:a="http://schemas.openxmlformats.org/drawingml/2006/main" xmlns:r="http://schemas.openxmlformats.org/officeDocument/2006/relationships" xmlns:p="http://schemas.openxmlformats.org/presentationml/2006/main">
   <p:cSld>
@@ -8618,7 +9052,7 @@
           <a:p>
             <a:r>
               <a:rPr lang="en-US" altLang="ko-KR" dirty="0"/>
-              <a:t>Git command : Fetch</a:t>
+              <a:t>Git command : Pull</a:t>
             </a:r>
             <a:endParaRPr lang="ko-KR" altLang="en-US" dirty="0"/>
           </a:p>
@@ -8681,11 +9115,19 @@
           <a:p>
             <a:r>
               <a:rPr lang="en-US" altLang="ko-KR" dirty="0"/>
-              <a:t>Commit </a:t>
+              <a:t>Remote </a:t>
             </a:r>
             <a:r>
               <a:rPr lang="ko-KR" altLang="en-US" dirty="0"/>
-              <a:t>목록만 가져오는 것</a:t>
+              <a:t>서버의 내용을 </a:t>
+            </a:r>
+            <a:r>
+              <a:rPr lang="en-US" altLang="ko-KR" dirty="0"/>
+              <a:t>Local</a:t>
+            </a:r>
+            <a:r>
+              <a:rPr lang="ko-KR" altLang="en-US" dirty="0"/>
+              <a:t>서버에 합치는 것</a:t>
             </a:r>
             <a:endParaRPr lang="en-US" altLang="ko-KR" dirty="0"/>
           </a:p>
@@ -8694,16 +9136,27 @@
           </a:p>
           <a:p>
             <a:r>
+              <a:rPr lang="en-US" altLang="ko-KR" dirty="0"/>
+              <a:t>Local</a:t>
+            </a:r>
+            <a:r>
               <a:rPr lang="ko-KR" altLang="en-US" dirty="0"/>
-              <a:t>변경 내용만 가져오고 적용은 하지 않음</a:t>
-            </a:r>
+              <a:t>을 최신화</a:t>
+            </a:r>
+            <a:endParaRPr lang="en-US" altLang="ko-KR" dirty="0"/>
+          </a:p>
+          <a:p>
+            <a:pPr marL="0" indent="0">
+              <a:buNone/>
+            </a:pPr>
+            <a:endParaRPr lang="ko-KR" altLang="en-US" dirty="0"/>
           </a:p>
         </p:txBody>
       </p:sp>
     </p:spTree>
     <p:extLst>
       <p:ext uri="{BB962C8B-B14F-4D97-AF65-F5344CB8AC3E}">
-        <p14:creationId xmlns:p14="http://schemas.microsoft.com/office/powerpoint/2010/main" val="2525038500"/>
+        <p14:creationId xmlns:p14="http://schemas.microsoft.com/office/powerpoint/2010/main" val="1802056109"/>
       </p:ext>
     </p:extLst>
   </p:cSld>
@@ -8753,7 +9206,7 @@
           <a:p>
             <a:r>
               <a:rPr lang="en-US" altLang="ko-KR" dirty="0"/>
-              <a:t>Git command : Commit</a:t>
+              <a:t>Git command : Fetch</a:t>
             </a:r>
             <a:endParaRPr lang="ko-KR" altLang="en-US" dirty="0"/>
           </a:p>
@@ -8783,6 +9236,141 @@
             <a:fld id="{218E8BD7-F182-4B37-9978-F83F0E1A36DD}" type="slidenum">
               <a:rPr lang="ko-KR" altLang="en-US" smtClean="0"/>
               <a:t>16</a:t>
+            </a:fld>
+            <a:endParaRPr lang="ko-KR" altLang="en-US"/>
+          </a:p>
+        </p:txBody>
+      </p:sp>
+      <p:sp>
+        <p:nvSpPr>
+          <p:cNvPr id="8" name="내용 개체 틀 5">
+            <a:extLst>
+              <a:ext uri="{FF2B5EF4-FFF2-40B4-BE49-F238E27FC236}">
+                <a16:creationId xmlns:a16="http://schemas.microsoft.com/office/drawing/2014/main" id="{BC16E234-D07A-44AE-B26B-858F57112753}"/>
+              </a:ext>
+            </a:extLst>
+          </p:cNvPr>
+          <p:cNvSpPr>
+            <a:spLocks noGrp="1"/>
+          </p:cNvSpPr>
+          <p:nvPr>
+            <p:ph idx="1"/>
+          </p:nvPr>
+        </p:nvSpPr>
+        <p:spPr>
+          <a:xfrm>
+            <a:off x="838200" y="1825625"/>
+            <a:ext cx="10515600" cy="4351338"/>
+          </a:xfrm>
+        </p:spPr>
+        <p:txBody>
+          <a:bodyPr/>
+          <a:lstStyle/>
+          <a:p>
+            <a:r>
+              <a:rPr lang="en-US" altLang="ko-KR" dirty="0"/>
+              <a:t>Commit </a:t>
+            </a:r>
+            <a:r>
+              <a:rPr lang="ko-KR" altLang="en-US" dirty="0"/>
+              <a:t>목록만 가져오는 것</a:t>
+            </a:r>
+            <a:endParaRPr lang="en-US" altLang="ko-KR" dirty="0"/>
+          </a:p>
+          <a:p>
+            <a:endParaRPr lang="en-US" altLang="ko-KR" dirty="0"/>
+          </a:p>
+          <a:p>
+            <a:r>
+              <a:rPr lang="ko-KR" altLang="en-US" dirty="0"/>
+              <a:t>변경 내용만 가져오고 적용은 하지 않음</a:t>
+            </a:r>
+          </a:p>
+        </p:txBody>
+      </p:sp>
+    </p:spTree>
+    <p:extLst>
+      <p:ext uri="{BB962C8B-B14F-4D97-AF65-F5344CB8AC3E}">
+        <p14:creationId xmlns:p14="http://schemas.microsoft.com/office/powerpoint/2010/main" val="2525038500"/>
+      </p:ext>
+    </p:extLst>
+  </p:cSld>
+  <p:clrMapOvr>
+    <a:masterClrMapping/>
+  </p:clrMapOvr>
+</p:sld>
+</file>
+
+<file path=ppt/slides/slide17.xml><?xml version="1.0" encoding="utf-8"?>
+<p:sld xmlns:a="http://schemas.openxmlformats.org/drawingml/2006/main" xmlns:r="http://schemas.openxmlformats.org/officeDocument/2006/relationships" xmlns:p="http://schemas.openxmlformats.org/presentationml/2006/main">
+  <p:cSld>
+    <p:spTree>
+      <p:nvGrpSpPr>
+        <p:cNvPr id="1" name=""/>
+        <p:cNvGrpSpPr/>
+        <p:nvPr/>
+      </p:nvGrpSpPr>
+      <p:grpSpPr>
+        <a:xfrm>
+          <a:off x="0" y="0"/>
+          <a:ext cx="0" cy="0"/>
+          <a:chOff x="0" y="0"/>
+          <a:chExt cx="0" cy="0"/>
+        </a:xfrm>
+      </p:grpSpPr>
+      <p:sp>
+        <p:nvSpPr>
+          <p:cNvPr id="2" name="제목 1">
+            <a:extLst>
+              <a:ext uri="{FF2B5EF4-FFF2-40B4-BE49-F238E27FC236}">
+                <a16:creationId xmlns:a16="http://schemas.microsoft.com/office/drawing/2014/main" id="{672A6FBF-DD5F-4EB2-9378-E626E47411B8}"/>
+              </a:ext>
+            </a:extLst>
+          </p:cNvPr>
+          <p:cNvSpPr>
+            <a:spLocks noGrp="1"/>
+          </p:cNvSpPr>
+          <p:nvPr>
+            <p:ph type="title"/>
+          </p:nvPr>
+        </p:nvSpPr>
+        <p:spPr/>
+        <p:txBody>
+          <a:bodyPr/>
+          <a:lstStyle/>
+          <a:p>
+            <a:r>
+              <a:rPr lang="en-US" altLang="ko-KR" dirty="0"/>
+              <a:t>Git command : Commit</a:t>
+            </a:r>
+            <a:endParaRPr lang="ko-KR" altLang="en-US" dirty="0"/>
+          </a:p>
+        </p:txBody>
+      </p:sp>
+      <p:sp>
+        <p:nvSpPr>
+          <p:cNvPr id="3" name="슬라이드 번호 개체 틀 2">
+            <a:extLst>
+              <a:ext uri="{FF2B5EF4-FFF2-40B4-BE49-F238E27FC236}">
+                <a16:creationId xmlns:a16="http://schemas.microsoft.com/office/drawing/2014/main" id="{03837179-CD6E-4CAB-BD23-4F4D091DFDB6}"/>
+              </a:ext>
+            </a:extLst>
+          </p:cNvPr>
+          <p:cNvSpPr>
+            <a:spLocks noGrp="1"/>
+          </p:cNvSpPr>
+          <p:nvPr>
+            <p:ph type="sldNum" sz="quarter" idx="12"/>
+          </p:nvPr>
+        </p:nvSpPr>
+        <p:spPr/>
+        <p:txBody>
+          <a:bodyPr/>
+          <a:lstStyle/>
+          <a:p>
+            <a:fld id="{218E8BD7-F182-4B37-9978-F83F0E1A36DD}" type="slidenum">
+              <a:rPr lang="ko-KR" altLang="en-US" smtClean="0"/>
+              <a:t>17</a:t>
             </a:fld>
             <a:endParaRPr lang="ko-KR" altLang="en-US"/>
           </a:p>
@@ -8895,168 +9483,6 @@
 </p:sld>
 </file>
 
-<file path=ppt/slides/slide17.xml><?xml version="1.0" encoding="utf-8"?>
-<p:sld xmlns:a="http://schemas.openxmlformats.org/drawingml/2006/main" xmlns:r="http://schemas.openxmlformats.org/officeDocument/2006/relationships" xmlns:p="http://schemas.openxmlformats.org/presentationml/2006/main">
-  <p:cSld>
-    <p:spTree>
-      <p:nvGrpSpPr>
-        <p:cNvPr id="1" name=""/>
-        <p:cNvGrpSpPr/>
-        <p:nvPr/>
-      </p:nvGrpSpPr>
-      <p:grpSpPr>
-        <a:xfrm>
-          <a:off x="0" y="0"/>
-          <a:ext cx="0" cy="0"/>
-          <a:chOff x="0" y="0"/>
-          <a:chExt cx="0" cy="0"/>
-        </a:xfrm>
-      </p:grpSpPr>
-      <p:sp>
-        <p:nvSpPr>
-          <p:cNvPr id="2" name="제목 1">
-            <a:extLst>
-              <a:ext uri="{FF2B5EF4-FFF2-40B4-BE49-F238E27FC236}">
-                <a16:creationId xmlns:a16="http://schemas.microsoft.com/office/drawing/2014/main" id="{672A6FBF-DD5F-4EB2-9378-E626E47411B8}"/>
-              </a:ext>
-            </a:extLst>
-          </p:cNvPr>
-          <p:cNvSpPr>
-            <a:spLocks noGrp="1"/>
-          </p:cNvSpPr>
-          <p:nvPr>
-            <p:ph type="title"/>
-          </p:nvPr>
-        </p:nvSpPr>
-        <p:spPr/>
-        <p:txBody>
-          <a:bodyPr/>
-          <a:lstStyle/>
-          <a:p>
-            <a:r>
-              <a:rPr lang="en-US" altLang="ko-KR" dirty="0"/>
-              <a:t>Git command : Push</a:t>
-            </a:r>
-            <a:endParaRPr lang="ko-KR" altLang="en-US" dirty="0"/>
-          </a:p>
-        </p:txBody>
-      </p:sp>
-      <p:sp>
-        <p:nvSpPr>
-          <p:cNvPr id="3" name="슬라이드 번호 개체 틀 2">
-            <a:extLst>
-              <a:ext uri="{FF2B5EF4-FFF2-40B4-BE49-F238E27FC236}">
-                <a16:creationId xmlns:a16="http://schemas.microsoft.com/office/drawing/2014/main" id="{03837179-CD6E-4CAB-BD23-4F4D091DFDB6}"/>
-              </a:ext>
-            </a:extLst>
-          </p:cNvPr>
-          <p:cNvSpPr>
-            <a:spLocks noGrp="1"/>
-          </p:cNvSpPr>
-          <p:nvPr>
-            <p:ph type="sldNum" sz="quarter" idx="12"/>
-          </p:nvPr>
-        </p:nvSpPr>
-        <p:spPr/>
-        <p:txBody>
-          <a:bodyPr/>
-          <a:lstStyle/>
-          <a:p>
-            <a:fld id="{218E8BD7-F182-4B37-9978-F83F0E1A36DD}" type="slidenum">
-              <a:rPr lang="ko-KR" altLang="en-US" smtClean="0"/>
-              <a:t>17</a:t>
-            </a:fld>
-            <a:endParaRPr lang="ko-KR" altLang="en-US"/>
-          </a:p>
-        </p:txBody>
-      </p:sp>
-      <p:sp>
-        <p:nvSpPr>
-          <p:cNvPr id="8" name="내용 개체 틀 5">
-            <a:extLst>
-              <a:ext uri="{FF2B5EF4-FFF2-40B4-BE49-F238E27FC236}">
-                <a16:creationId xmlns:a16="http://schemas.microsoft.com/office/drawing/2014/main" id="{BC16E234-D07A-44AE-B26B-858F57112753}"/>
-              </a:ext>
-            </a:extLst>
-          </p:cNvPr>
-          <p:cNvSpPr>
-            <a:spLocks noGrp="1"/>
-          </p:cNvSpPr>
-          <p:nvPr>
-            <p:ph idx="1"/>
-          </p:nvPr>
-        </p:nvSpPr>
-        <p:spPr>
-          <a:xfrm>
-            <a:off x="838200" y="1825625"/>
-            <a:ext cx="10515600" cy="4351338"/>
-          </a:xfrm>
-        </p:spPr>
-        <p:txBody>
-          <a:bodyPr/>
-          <a:lstStyle/>
-          <a:p>
-            <a:r>
-              <a:rPr lang="en-US" altLang="ko-KR" dirty="0"/>
-              <a:t>Local</a:t>
-            </a:r>
-            <a:r>
-              <a:rPr lang="ko-KR" altLang="en-US" dirty="0"/>
-              <a:t>에서 </a:t>
-            </a:r>
-            <a:r>
-              <a:rPr lang="en-US" altLang="ko-KR" dirty="0"/>
-              <a:t>Commit</a:t>
-            </a:r>
-            <a:r>
-              <a:rPr lang="ko-KR" altLang="en-US" dirty="0"/>
-              <a:t>한 내용을 </a:t>
-            </a:r>
-            <a:r>
-              <a:rPr lang="en-US" altLang="ko-KR" dirty="0"/>
-              <a:t>Local</a:t>
-            </a:r>
-            <a:r>
-              <a:rPr lang="ko-KR" altLang="en-US" dirty="0"/>
-              <a:t>서버에 업로드</a:t>
-            </a:r>
-            <a:endParaRPr lang="en-US" altLang="ko-KR" dirty="0"/>
-          </a:p>
-          <a:p>
-            <a:endParaRPr lang="en-US" altLang="ko-KR" dirty="0"/>
-          </a:p>
-          <a:p>
-            <a:r>
-              <a:rPr lang="en-US" altLang="ko-KR" dirty="0"/>
-              <a:t>Remote</a:t>
-            </a:r>
-            <a:r>
-              <a:rPr lang="ko-KR" altLang="en-US" dirty="0"/>
-              <a:t>를 최신화</a:t>
-            </a:r>
-            <a:endParaRPr lang="en-US" altLang="ko-KR" dirty="0"/>
-          </a:p>
-          <a:p>
-            <a:pPr marL="0" indent="0">
-              <a:buNone/>
-            </a:pPr>
-            <a:endParaRPr lang="ko-KR" altLang="en-US" dirty="0"/>
-          </a:p>
-        </p:txBody>
-      </p:sp>
-    </p:spTree>
-    <p:extLst>
-      <p:ext uri="{BB962C8B-B14F-4D97-AF65-F5344CB8AC3E}">
-        <p14:creationId xmlns:p14="http://schemas.microsoft.com/office/powerpoint/2010/main" val="1304345842"/>
-      </p:ext>
-    </p:extLst>
-  </p:cSld>
-  <p:clrMapOvr>
-    <a:masterClrMapping/>
-  </p:clrMapOvr>
-</p:sld>
-</file>
-
 <file path=ppt/slides/slide18.xml><?xml version="1.0" encoding="utf-8"?>
 <p:sld xmlns:a="http://schemas.openxmlformats.org/drawingml/2006/main" xmlns:r="http://schemas.openxmlformats.org/officeDocument/2006/relationships" xmlns:p="http://schemas.openxmlformats.org/presentationml/2006/main">
   <p:cSld>
@@ -9097,7 +9523,7 @@
           <a:p>
             <a:r>
               <a:rPr lang="en-US" altLang="ko-KR" dirty="0"/>
-              <a:t>Git command : Branch 1</a:t>
+              <a:t>Git command : Push</a:t>
             </a:r>
             <a:endParaRPr lang="ko-KR" altLang="en-US" dirty="0"/>
           </a:p>
@@ -9127,6 +9553,168 @@
             <a:fld id="{218E8BD7-F182-4B37-9978-F83F0E1A36DD}" type="slidenum">
               <a:rPr lang="ko-KR" altLang="en-US" smtClean="0"/>
               <a:t>18</a:t>
+            </a:fld>
+            <a:endParaRPr lang="ko-KR" altLang="en-US"/>
+          </a:p>
+        </p:txBody>
+      </p:sp>
+      <p:sp>
+        <p:nvSpPr>
+          <p:cNvPr id="8" name="내용 개체 틀 5">
+            <a:extLst>
+              <a:ext uri="{FF2B5EF4-FFF2-40B4-BE49-F238E27FC236}">
+                <a16:creationId xmlns:a16="http://schemas.microsoft.com/office/drawing/2014/main" id="{BC16E234-D07A-44AE-B26B-858F57112753}"/>
+              </a:ext>
+            </a:extLst>
+          </p:cNvPr>
+          <p:cNvSpPr>
+            <a:spLocks noGrp="1"/>
+          </p:cNvSpPr>
+          <p:nvPr>
+            <p:ph idx="1"/>
+          </p:nvPr>
+        </p:nvSpPr>
+        <p:spPr>
+          <a:xfrm>
+            <a:off x="838200" y="1825625"/>
+            <a:ext cx="10515600" cy="4351338"/>
+          </a:xfrm>
+        </p:spPr>
+        <p:txBody>
+          <a:bodyPr/>
+          <a:lstStyle/>
+          <a:p>
+            <a:r>
+              <a:rPr lang="en-US" altLang="ko-KR" dirty="0"/>
+              <a:t>Local</a:t>
+            </a:r>
+            <a:r>
+              <a:rPr lang="ko-KR" altLang="en-US" dirty="0"/>
+              <a:t>에서 </a:t>
+            </a:r>
+            <a:r>
+              <a:rPr lang="en-US" altLang="ko-KR" dirty="0"/>
+              <a:t>Commit</a:t>
+            </a:r>
+            <a:r>
+              <a:rPr lang="ko-KR" altLang="en-US" dirty="0"/>
+              <a:t>한 내용을 </a:t>
+            </a:r>
+            <a:r>
+              <a:rPr lang="en-US" altLang="ko-KR" dirty="0"/>
+              <a:t>Local</a:t>
+            </a:r>
+            <a:r>
+              <a:rPr lang="ko-KR" altLang="en-US" dirty="0"/>
+              <a:t>서버에 업로드</a:t>
+            </a:r>
+            <a:endParaRPr lang="en-US" altLang="ko-KR" dirty="0"/>
+          </a:p>
+          <a:p>
+            <a:endParaRPr lang="en-US" altLang="ko-KR" dirty="0"/>
+          </a:p>
+          <a:p>
+            <a:r>
+              <a:rPr lang="en-US" altLang="ko-KR" dirty="0"/>
+              <a:t>Remote</a:t>
+            </a:r>
+            <a:r>
+              <a:rPr lang="ko-KR" altLang="en-US" dirty="0"/>
+              <a:t>를 최신화</a:t>
+            </a:r>
+            <a:endParaRPr lang="en-US" altLang="ko-KR" dirty="0"/>
+          </a:p>
+          <a:p>
+            <a:pPr marL="0" indent="0">
+              <a:buNone/>
+            </a:pPr>
+            <a:endParaRPr lang="ko-KR" altLang="en-US" dirty="0"/>
+          </a:p>
+        </p:txBody>
+      </p:sp>
+    </p:spTree>
+    <p:extLst>
+      <p:ext uri="{BB962C8B-B14F-4D97-AF65-F5344CB8AC3E}">
+        <p14:creationId xmlns:p14="http://schemas.microsoft.com/office/powerpoint/2010/main" val="1304345842"/>
+      </p:ext>
+    </p:extLst>
+  </p:cSld>
+  <p:clrMapOvr>
+    <a:masterClrMapping/>
+  </p:clrMapOvr>
+</p:sld>
+</file>
+
+<file path=ppt/slides/slide19.xml><?xml version="1.0" encoding="utf-8"?>
+<p:sld xmlns:a="http://schemas.openxmlformats.org/drawingml/2006/main" xmlns:r="http://schemas.openxmlformats.org/officeDocument/2006/relationships" xmlns:p="http://schemas.openxmlformats.org/presentationml/2006/main">
+  <p:cSld>
+    <p:spTree>
+      <p:nvGrpSpPr>
+        <p:cNvPr id="1" name=""/>
+        <p:cNvGrpSpPr/>
+        <p:nvPr/>
+      </p:nvGrpSpPr>
+      <p:grpSpPr>
+        <a:xfrm>
+          <a:off x="0" y="0"/>
+          <a:ext cx="0" cy="0"/>
+          <a:chOff x="0" y="0"/>
+          <a:chExt cx="0" cy="0"/>
+        </a:xfrm>
+      </p:grpSpPr>
+      <p:sp>
+        <p:nvSpPr>
+          <p:cNvPr id="2" name="제목 1">
+            <a:extLst>
+              <a:ext uri="{FF2B5EF4-FFF2-40B4-BE49-F238E27FC236}">
+                <a16:creationId xmlns:a16="http://schemas.microsoft.com/office/drawing/2014/main" id="{672A6FBF-DD5F-4EB2-9378-E626E47411B8}"/>
+              </a:ext>
+            </a:extLst>
+          </p:cNvPr>
+          <p:cNvSpPr>
+            <a:spLocks noGrp="1"/>
+          </p:cNvSpPr>
+          <p:nvPr>
+            <p:ph type="title"/>
+          </p:nvPr>
+        </p:nvSpPr>
+        <p:spPr/>
+        <p:txBody>
+          <a:bodyPr/>
+          <a:lstStyle/>
+          <a:p>
+            <a:r>
+              <a:rPr lang="en-US" altLang="ko-KR" dirty="0"/>
+              <a:t>Git command : Branch 1</a:t>
+            </a:r>
+            <a:endParaRPr lang="ko-KR" altLang="en-US" dirty="0"/>
+          </a:p>
+        </p:txBody>
+      </p:sp>
+      <p:sp>
+        <p:nvSpPr>
+          <p:cNvPr id="3" name="슬라이드 번호 개체 틀 2">
+            <a:extLst>
+              <a:ext uri="{FF2B5EF4-FFF2-40B4-BE49-F238E27FC236}">
+                <a16:creationId xmlns:a16="http://schemas.microsoft.com/office/drawing/2014/main" id="{03837179-CD6E-4CAB-BD23-4F4D091DFDB6}"/>
+              </a:ext>
+            </a:extLst>
+          </p:cNvPr>
+          <p:cNvSpPr>
+            <a:spLocks noGrp="1"/>
+          </p:cNvSpPr>
+          <p:nvPr>
+            <p:ph type="sldNum" sz="quarter" idx="12"/>
+          </p:nvPr>
+        </p:nvSpPr>
+        <p:spPr/>
+        <p:txBody>
+          <a:bodyPr/>
+          <a:lstStyle/>
+          <a:p>
+            <a:fld id="{218E8BD7-F182-4B37-9978-F83F0E1A36DD}" type="slidenum">
+              <a:rPr lang="ko-KR" altLang="en-US" smtClean="0"/>
+              <a:t>19</a:t>
             </a:fld>
             <a:endParaRPr lang="ko-KR" altLang="en-US"/>
           </a:p>
@@ -9364,7 +9952,7 @@
             <a:fld id="{218E8BD7-F182-4B37-9978-F83F0E1A36DD}" type="slidenum">
               <a:rPr lang="ko-KR" altLang="en-US" smtClean="0"/>
               <a:pPr/>
-              <a:t>18</a:t>
+              <a:t>19</a:t>
             </a:fld>
             <a:endParaRPr lang="ko-KR" altLang="en-US"/>
           </a:p>
@@ -9981,7 +10569,7 @@
 </p:sld>
 </file>
 
-<file path=ppt/slides/slide19.xml><?xml version="1.0" encoding="utf-8"?>
+<file path=ppt/slides/slide2.xml><?xml version="1.0" encoding="utf-8"?>
 <p:sld xmlns:a="http://schemas.openxmlformats.org/drawingml/2006/main" xmlns:r="http://schemas.openxmlformats.org/officeDocument/2006/relationships" xmlns:p="http://schemas.openxmlformats.org/presentationml/2006/main">
   <p:cSld>
     <p:spTree>
@@ -10000,6 +10588,119 @@
       </p:grpSpPr>
       <p:sp>
         <p:nvSpPr>
+          <p:cNvPr id="6" name="제목 5">
+            <a:extLst>
+              <a:ext uri="{FF2B5EF4-FFF2-40B4-BE49-F238E27FC236}">
+                <a16:creationId xmlns:a16="http://schemas.microsoft.com/office/drawing/2014/main" id="{A18F998C-9456-480F-81C3-BE2EE6692E01}"/>
+              </a:ext>
+            </a:extLst>
+          </p:cNvPr>
+          <p:cNvSpPr>
+            <a:spLocks noGrp="1"/>
+          </p:cNvSpPr>
+          <p:nvPr>
+            <p:ph type="title"/>
+          </p:nvPr>
+        </p:nvSpPr>
+        <p:spPr/>
+        <p:txBody>
+          <a:bodyPr/>
+          <a:lstStyle/>
+          <a:p>
+            <a:r>
+              <a:rPr lang="en-US" altLang="ko-KR" dirty="0"/>
+              <a:t>Git</a:t>
+            </a:r>
+            <a:endParaRPr lang="ko-KR" altLang="en-US" dirty="0"/>
+          </a:p>
+        </p:txBody>
+      </p:sp>
+      <p:sp>
+        <p:nvSpPr>
+          <p:cNvPr id="7" name="텍스트 개체 틀 6">
+            <a:extLst>
+              <a:ext uri="{FF2B5EF4-FFF2-40B4-BE49-F238E27FC236}">
+                <a16:creationId xmlns:a16="http://schemas.microsoft.com/office/drawing/2014/main" id="{053A049F-BE1A-4D6C-BCEB-65FE1C711BBC}"/>
+              </a:ext>
+            </a:extLst>
+          </p:cNvPr>
+          <p:cNvSpPr>
+            <a:spLocks noGrp="1"/>
+          </p:cNvSpPr>
+          <p:nvPr>
+            <p:ph type="body" idx="1"/>
+          </p:nvPr>
+        </p:nvSpPr>
+        <p:spPr/>
+        <p:txBody>
+          <a:bodyPr/>
+          <a:lstStyle/>
+          <a:p>
+            <a:endParaRPr lang="ko-KR" altLang="en-US"/>
+          </a:p>
+        </p:txBody>
+      </p:sp>
+      <p:sp>
+        <p:nvSpPr>
+          <p:cNvPr id="2" name="슬라이드 번호 개체 틀 1">
+            <a:extLst>
+              <a:ext uri="{FF2B5EF4-FFF2-40B4-BE49-F238E27FC236}">
+                <a16:creationId xmlns:a16="http://schemas.microsoft.com/office/drawing/2014/main" id="{F16506F8-A8FF-4EB2-8612-5583C9E4AFA8}"/>
+              </a:ext>
+            </a:extLst>
+          </p:cNvPr>
+          <p:cNvSpPr>
+            <a:spLocks noGrp="1"/>
+          </p:cNvSpPr>
+          <p:nvPr>
+            <p:ph type="sldNum" sz="quarter" idx="12"/>
+          </p:nvPr>
+        </p:nvSpPr>
+        <p:spPr/>
+        <p:txBody>
+          <a:bodyPr/>
+          <a:lstStyle/>
+          <a:p>
+            <a:fld id="{218E8BD7-F182-4B37-9978-F83F0E1A36DD}" type="slidenum">
+              <a:rPr lang="ko-KR" altLang="en-US" smtClean="0"/>
+              <a:t>2</a:t>
+            </a:fld>
+            <a:endParaRPr lang="ko-KR" altLang="en-US"/>
+          </a:p>
+        </p:txBody>
+      </p:sp>
+    </p:spTree>
+    <p:extLst>
+      <p:ext uri="{BB962C8B-B14F-4D97-AF65-F5344CB8AC3E}">
+        <p14:creationId xmlns:p14="http://schemas.microsoft.com/office/powerpoint/2010/main" val="763088194"/>
+      </p:ext>
+    </p:extLst>
+  </p:cSld>
+  <p:clrMapOvr>
+    <a:masterClrMapping/>
+  </p:clrMapOvr>
+</p:sld>
+</file>
+
+<file path=ppt/slides/slide20.xml><?xml version="1.0" encoding="utf-8"?>
+<p:sld xmlns:a="http://schemas.openxmlformats.org/drawingml/2006/main" xmlns:r="http://schemas.openxmlformats.org/officeDocument/2006/relationships" xmlns:p="http://schemas.openxmlformats.org/presentationml/2006/main">
+  <p:cSld>
+    <p:spTree>
+      <p:nvGrpSpPr>
+        <p:cNvPr id="1" name=""/>
+        <p:cNvGrpSpPr/>
+        <p:nvPr/>
+      </p:nvGrpSpPr>
+      <p:grpSpPr>
+        <a:xfrm>
+          <a:off x="0" y="0"/>
+          <a:ext cx="0" cy="0"/>
+          <a:chOff x="0" y="0"/>
+          <a:chExt cx="0" cy="0"/>
+        </a:xfrm>
+      </p:grpSpPr>
+      <p:sp>
+        <p:nvSpPr>
           <p:cNvPr id="2" name="제목 1">
             <a:extLst>
               <a:ext uri="{FF2B5EF4-FFF2-40B4-BE49-F238E27FC236}">
@@ -10050,7 +10751,7 @@
           <a:p>
             <a:fld id="{218E8BD7-F182-4B37-9978-F83F0E1A36DD}" type="slidenum">
               <a:rPr lang="ko-KR" altLang="en-US" smtClean="0"/>
-              <a:t>19</a:t>
+              <a:t>20</a:t>
             </a:fld>
             <a:endParaRPr lang="ko-KR" altLang="en-US"/>
           </a:p>
@@ -10231,7 +10932,7 @@
             <a:fld id="{218E8BD7-F182-4B37-9978-F83F0E1A36DD}" type="slidenum">
               <a:rPr lang="ko-KR" altLang="en-US" smtClean="0"/>
               <a:pPr/>
-              <a:t>19</a:t>
+              <a:t>20</a:t>
             </a:fld>
             <a:endParaRPr lang="ko-KR" altLang="en-US"/>
           </a:p>
@@ -10297,7 +10998,7 @@
 </p:sld>
 </file>
 
-<file path=ppt/slides/slide2.xml><?xml version="1.0" encoding="utf-8"?>
+<file path=ppt/slides/slide21.xml><?xml version="1.0" encoding="utf-8"?>
 <p:sld xmlns:a="http://schemas.openxmlformats.org/drawingml/2006/main" xmlns:r="http://schemas.openxmlformats.org/officeDocument/2006/relationships" xmlns:p="http://schemas.openxmlformats.org/presentationml/2006/main">
   <p:cSld>
     <p:spTree>
@@ -10316,10 +11017,10 @@
       </p:grpSpPr>
       <p:sp>
         <p:nvSpPr>
-          <p:cNvPr id="6" name="제목 5">
-            <a:extLst>
-              <a:ext uri="{FF2B5EF4-FFF2-40B4-BE49-F238E27FC236}">
-                <a16:creationId xmlns:a16="http://schemas.microsoft.com/office/drawing/2014/main" id="{A18F998C-9456-480F-81C3-BE2EE6692E01}"/>
+          <p:cNvPr id="2" name="제목 1">
+            <a:extLst>
+              <a:ext uri="{FF2B5EF4-FFF2-40B4-BE49-F238E27FC236}">
+                <a16:creationId xmlns:a16="http://schemas.microsoft.com/office/drawing/2014/main" id="{672A6FBF-DD5F-4EB2-9378-E626E47411B8}"/>
               </a:ext>
             </a:extLst>
           </p:cNvPr>
@@ -10337,43 +11038,21 @@
           <a:p>
             <a:r>
               <a:rPr lang="en-US" altLang="ko-KR" dirty="0"/>
-              <a:t>Git</a:t>
-            </a:r>
-            <a:endParaRPr lang="ko-KR" altLang="en-US" dirty="0"/>
-          </a:p>
-        </p:txBody>
-      </p:sp>
-      <p:sp>
-        <p:nvSpPr>
-          <p:cNvPr id="7" name="텍스트 개체 틀 6">
-            <a:extLst>
-              <a:ext uri="{FF2B5EF4-FFF2-40B4-BE49-F238E27FC236}">
-                <a16:creationId xmlns:a16="http://schemas.microsoft.com/office/drawing/2014/main" id="{053A049F-BE1A-4D6C-BCEB-65FE1C711BBC}"/>
-              </a:ext>
-            </a:extLst>
-          </p:cNvPr>
-          <p:cNvSpPr>
-            <a:spLocks noGrp="1"/>
-          </p:cNvSpPr>
-          <p:nvPr>
-            <p:ph type="body" idx="1"/>
-          </p:nvPr>
-        </p:nvSpPr>
-        <p:spPr/>
-        <p:txBody>
-          <a:bodyPr/>
-          <a:lstStyle/>
-          <a:p>
-            <a:endParaRPr lang="ko-KR" altLang="en-US"/>
-          </a:p>
-        </p:txBody>
-      </p:sp>
-      <p:sp>
-        <p:nvSpPr>
-          <p:cNvPr id="2" name="슬라이드 번호 개체 틀 1">
-            <a:extLst>
-              <a:ext uri="{FF2B5EF4-FFF2-40B4-BE49-F238E27FC236}">
-                <a16:creationId xmlns:a16="http://schemas.microsoft.com/office/drawing/2014/main" id="{F16506F8-A8FF-4EB2-8612-5583C9E4AFA8}"/>
+              <a:t>Git </a:t>
+            </a:r>
+            <a:r>
+              <a:rPr lang="ko-KR" altLang="en-US" dirty="0"/>
+              <a:t>실습</a:t>
+            </a:r>
+          </a:p>
+        </p:txBody>
+      </p:sp>
+      <p:sp>
+        <p:nvSpPr>
+          <p:cNvPr id="3" name="슬라이드 번호 개체 틀 2">
+            <a:extLst>
+              <a:ext uri="{FF2B5EF4-FFF2-40B4-BE49-F238E27FC236}">
+                <a16:creationId xmlns:a16="http://schemas.microsoft.com/office/drawing/2014/main" id="{03837179-CD6E-4CAB-BD23-4F4D091DFDB6}"/>
               </a:ext>
             </a:extLst>
           </p:cNvPr>
@@ -10391,98 +11070,7 @@
           <a:p>
             <a:fld id="{218E8BD7-F182-4B37-9978-F83F0E1A36DD}" type="slidenum">
               <a:rPr lang="ko-KR" altLang="en-US" smtClean="0"/>
-              <a:t>2</a:t>
-            </a:fld>
-            <a:endParaRPr lang="ko-KR" altLang="en-US"/>
-          </a:p>
-        </p:txBody>
-      </p:sp>
-    </p:spTree>
-    <p:extLst>
-      <p:ext uri="{BB962C8B-B14F-4D97-AF65-F5344CB8AC3E}">
-        <p14:creationId xmlns:p14="http://schemas.microsoft.com/office/powerpoint/2010/main" val="763088194"/>
-      </p:ext>
-    </p:extLst>
-  </p:cSld>
-  <p:clrMapOvr>
-    <a:masterClrMapping/>
-  </p:clrMapOvr>
-</p:sld>
-</file>
-
-<file path=ppt/slides/slide20.xml><?xml version="1.0" encoding="utf-8"?>
-<p:sld xmlns:a="http://schemas.openxmlformats.org/drawingml/2006/main" xmlns:r="http://schemas.openxmlformats.org/officeDocument/2006/relationships" xmlns:p="http://schemas.openxmlformats.org/presentationml/2006/main">
-  <p:cSld>
-    <p:spTree>
-      <p:nvGrpSpPr>
-        <p:cNvPr id="1" name=""/>
-        <p:cNvGrpSpPr/>
-        <p:nvPr/>
-      </p:nvGrpSpPr>
-      <p:grpSpPr>
-        <a:xfrm>
-          <a:off x="0" y="0"/>
-          <a:ext cx="0" cy="0"/>
-          <a:chOff x="0" y="0"/>
-          <a:chExt cx="0" cy="0"/>
-        </a:xfrm>
-      </p:grpSpPr>
-      <p:sp>
-        <p:nvSpPr>
-          <p:cNvPr id="2" name="제목 1">
-            <a:extLst>
-              <a:ext uri="{FF2B5EF4-FFF2-40B4-BE49-F238E27FC236}">
-                <a16:creationId xmlns:a16="http://schemas.microsoft.com/office/drawing/2014/main" id="{672A6FBF-DD5F-4EB2-9378-E626E47411B8}"/>
-              </a:ext>
-            </a:extLst>
-          </p:cNvPr>
-          <p:cNvSpPr>
-            <a:spLocks noGrp="1"/>
-          </p:cNvSpPr>
-          <p:nvPr>
-            <p:ph type="title"/>
-          </p:nvPr>
-        </p:nvSpPr>
-        <p:spPr/>
-        <p:txBody>
-          <a:bodyPr/>
-          <a:lstStyle/>
-          <a:p>
-            <a:r>
-              <a:rPr lang="en-US" altLang="ko-KR" dirty="0"/>
-              <a:t>Git </a:t>
-            </a:r>
-            <a:r>
-              <a:rPr lang="ko-KR" altLang="en-US" dirty="0"/>
-              <a:t>실습</a:t>
-            </a:r>
-          </a:p>
-        </p:txBody>
-      </p:sp>
-      <p:sp>
-        <p:nvSpPr>
-          <p:cNvPr id="3" name="슬라이드 번호 개체 틀 2">
-            <a:extLst>
-              <a:ext uri="{FF2B5EF4-FFF2-40B4-BE49-F238E27FC236}">
-                <a16:creationId xmlns:a16="http://schemas.microsoft.com/office/drawing/2014/main" id="{03837179-CD6E-4CAB-BD23-4F4D091DFDB6}"/>
-              </a:ext>
-            </a:extLst>
-          </p:cNvPr>
-          <p:cNvSpPr>
-            <a:spLocks noGrp="1"/>
-          </p:cNvSpPr>
-          <p:nvPr>
-            <p:ph type="sldNum" sz="quarter" idx="12"/>
-          </p:nvPr>
-        </p:nvSpPr>
-        <p:spPr/>
-        <p:txBody>
-          <a:bodyPr/>
-          <a:lstStyle/>
-          <a:p>
-            <a:fld id="{218E8BD7-F182-4B37-9978-F83F0E1A36DD}" type="slidenum">
-              <a:rPr lang="ko-KR" altLang="en-US" smtClean="0"/>
-              <a:t>20</a:t>
+              <a:t>21</a:t>
             </a:fld>
             <a:endParaRPr lang="ko-KR" altLang="en-US"/>
           </a:p>
@@ -10704,7 +11292,7 @@
             <a:fld id="{218E8BD7-F182-4B37-9978-F83F0E1A36DD}" type="slidenum">
               <a:rPr lang="ko-KR" altLang="en-US" smtClean="0"/>
               <a:pPr/>
-              <a:t>20</a:t>
+              <a:t>21</a:t>
             </a:fld>
             <a:endParaRPr lang="ko-KR" altLang="en-US"/>
           </a:p>
@@ -10714,119 +11302,6 @@
     <p:extLst>
       <p:ext uri="{BB962C8B-B14F-4D97-AF65-F5344CB8AC3E}">
         <p14:creationId xmlns:p14="http://schemas.microsoft.com/office/powerpoint/2010/main" val="1049585513"/>
-      </p:ext>
-    </p:extLst>
-  </p:cSld>
-  <p:clrMapOvr>
-    <a:masterClrMapping/>
-  </p:clrMapOvr>
-</p:sld>
-</file>
-
-<file path=ppt/slides/slide21.xml><?xml version="1.0" encoding="utf-8"?>
-<p:sld xmlns:a="http://schemas.openxmlformats.org/drawingml/2006/main" xmlns:r="http://schemas.openxmlformats.org/officeDocument/2006/relationships" xmlns:p="http://schemas.openxmlformats.org/presentationml/2006/main">
-  <p:cSld>
-    <p:spTree>
-      <p:nvGrpSpPr>
-        <p:cNvPr id="1" name=""/>
-        <p:cNvGrpSpPr/>
-        <p:nvPr/>
-      </p:nvGrpSpPr>
-      <p:grpSpPr>
-        <a:xfrm>
-          <a:off x="0" y="0"/>
-          <a:ext cx="0" cy="0"/>
-          <a:chOff x="0" y="0"/>
-          <a:chExt cx="0" cy="0"/>
-        </a:xfrm>
-      </p:grpSpPr>
-      <p:sp>
-        <p:nvSpPr>
-          <p:cNvPr id="6" name="제목 5">
-            <a:extLst>
-              <a:ext uri="{FF2B5EF4-FFF2-40B4-BE49-F238E27FC236}">
-                <a16:creationId xmlns:a16="http://schemas.microsoft.com/office/drawing/2014/main" id="{A18F998C-9456-480F-81C3-BE2EE6692E01}"/>
-              </a:ext>
-            </a:extLst>
-          </p:cNvPr>
-          <p:cNvSpPr>
-            <a:spLocks noGrp="1"/>
-          </p:cNvSpPr>
-          <p:nvPr>
-            <p:ph type="title"/>
-          </p:nvPr>
-        </p:nvSpPr>
-        <p:spPr/>
-        <p:txBody>
-          <a:bodyPr/>
-          <a:lstStyle/>
-          <a:p>
-            <a:r>
-              <a:rPr lang="en-US" altLang="ko-KR" dirty="0"/>
-              <a:t>HTML5</a:t>
-            </a:r>
-            <a:endParaRPr lang="ko-KR" altLang="en-US" dirty="0"/>
-          </a:p>
-        </p:txBody>
-      </p:sp>
-      <p:sp>
-        <p:nvSpPr>
-          <p:cNvPr id="7" name="텍스트 개체 틀 6">
-            <a:extLst>
-              <a:ext uri="{FF2B5EF4-FFF2-40B4-BE49-F238E27FC236}">
-                <a16:creationId xmlns:a16="http://schemas.microsoft.com/office/drawing/2014/main" id="{053A049F-BE1A-4D6C-BCEB-65FE1C711BBC}"/>
-              </a:ext>
-            </a:extLst>
-          </p:cNvPr>
-          <p:cNvSpPr>
-            <a:spLocks noGrp="1"/>
-          </p:cNvSpPr>
-          <p:nvPr>
-            <p:ph type="body" idx="1"/>
-          </p:nvPr>
-        </p:nvSpPr>
-        <p:spPr/>
-        <p:txBody>
-          <a:bodyPr/>
-          <a:lstStyle/>
-          <a:p>
-            <a:endParaRPr lang="ko-KR" altLang="en-US"/>
-          </a:p>
-        </p:txBody>
-      </p:sp>
-      <p:sp>
-        <p:nvSpPr>
-          <p:cNvPr id="2" name="슬라이드 번호 개체 틀 1">
-            <a:extLst>
-              <a:ext uri="{FF2B5EF4-FFF2-40B4-BE49-F238E27FC236}">
-                <a16:creationId xmlns:a16="http://schemas.microsoft.com/office/drawing/2014/main" id="{F16506F8-A8FF-4EB2-8612-5583C9E4AFA8}"/>
-              </a:ext>
-            </a:extLst>
-          </p:cNvPr>
-          <p:cNvSpPr>
-            <a:spLocks noGrp="1"/>
-          </p:cNvSpPr>
-          <p:nvPr>
-            <p:ph type="sldNum" sz="quarter" idx="12"/>
-          </p:nvPr>
-        </p:nvSpPr>
-        <p:spPr/>
-        <p:txBody>
-          <a:bodyPr/>
-          <a:lstStyle/>
-          <a:p>
-            <a:fld id="{218E8BD7-F182-4B37-9978-F83F0E1A36DD}" type="slidenum">
-              <a:rPr lang="ko-KR" altLang="en-US" smtClean="0"/>
-              <a:t>21</a:t>
-            </a:fld>
-            <a:endParaRPr lang="ko-KR" altLang="en-US"/>
-          </a:p>
-        </p:txBody>
-      </p:sp>
-    </p:spTree>
-    <p:extLst>
-      <p:ext uri="{BB962C8B-B14F-4D97-AF65-F5344CB8AC3E}">
-        <p14:creationId xmlns:p14="http://schemas.microsoft.com/office/powerpoint/2010/main" val="539334539"/>
       </p:ext>
     </p:extLst>
   </p:cSld>
@@ -10855,10 +11330,10 @@
       </p:grpSpPr>
       <p:sp>
         <p:nvSpPr>
-          <p:cNvPr id="5" name="제목 4">
-            <a:extLst>
-              <a:ext uri="{FF2B5EF4-FFF2-40B4-BE49-F238E27FC236}">
-                <a16:creationId xmlns:a16="http://schemas.microsoft.com/office/drawing/2014/main" id="{717FC086-4FFA-4982-9F96-3BC2E9E822A6}"/>
+          <p:cNvPr id="6" name="제목 5">
+            <a:extLst>
+              <a:ext uri="{FF2B5EF4-FFF2-40B4-BE49-F238E27FC236}">
+                <a16:creationId xmlns:a16="http://schemas.microsoft.com/office/drawing/2014/main" id="{A18F998C-9456-480F-81C3-BE2EE6692E01}"/>
               </a:ext>
             </a:extLst>
           </p:cNvPr>
@@ -10884,18 +11359,18 @@
       </p:sp>
       <p:sp>
         <p:nvSpPr>
-          <p:cNvPr id="6" name="내용 개체 틀 5">
-            <a:extLst>
-              <a:ext uri="{FF2B5EF4-FFF2-40B4-BE49-F238E27FC236}">
-                <a16:creationId xmlns:a16="http://schemas.microsoft.com/office/drawing/2014/main" id="{278DC7D8-37D9-44F0-AEB6-2CC6D02B5D06}"/>
-              </a:ext>
-            </a:extLst>
-          </p:cNvPr>
-          <p:cNvSpPr>
-            <a:spLocks noGrp="1"/>
-          </p:cNvSpPr>
-          <p:nvPr>
-            <p:ph idx="1"/>
+          <p:cNvPr id="7" name="텍스트 개체 틀 6">
+            <a:extLst>
+              <a:ext uri="{FF2B5EF4-FFF2-40B4-BE49-F238E27FC236}">
+                <a16:creationId xmlns:a16="http://schemas.microsoft.com/office/drawing/2014/main" id="{053A049F-BE1A-4D6C-BCEB-65FE1C711BBC}"/>
+              </a:ext>
+            </a:extLst>
+          </p:cNvPr>
+          <p:cNvSpPr>
+            <a:spLocks noGrp="1"/>
+          </p:cNvSpPr>
+          <p:nvPr>
+            <p:ph type="body" idx="1"/>
           </p:nvPr>
         </p:nvSpPr>
         <p:spPr/>
@@ -10903,44 +11378,16 @@
           <a:bodyPr/>
           <a:lstStyle/>
           <a:p>
-            <a:r>
-              <a:rPr lang="en-US" altLang="ko-KR" dirty="0"/>
-              <a:t>ActiveX, Flash</a:t>
-            </a:r>
-            <a:r>
-              <a:rPr lang="ko-KR" altLang="en-US" dirty="0"/>
-              <a:t>등의 의존도를 낮춤</a:t>
-            </a:r>
-            <a:endParaRPr lang="en-US" altLang="ko-KR" dirty="0"/>
-          </a:p>
-          <a:p>
-            <a:r>
-              <a:rPr lang="ko-KR" altLang="en-US" dirty="0"/>
-              <a:t>현재 표준으로 쓰는 최신 </a:t>
-            </a:r>
-            <a:r>
-              <a:rPr lang="en-US" altLang="ko-KR" dirty="0"/>
-              <a:t>HTML</a:t>
-            </a:r>
-          </a:p>
-          <a:p>
-            <a:r>
-              <a:rPr lang="en-US" altLang="ko-KR" dirty="0"/>
-              <a:t>HTML5 + CSS + JS</a:t>
-            </a:r>
-            <a:r>
-              <a:rPr lang="ko-KR" altLang="en-US" dirty="0"/>
-              <a:t>을 이루는 말로 바뀜</a:t>
-            </a:r>
-          </a:p>
-        </p:txBody>
-      </p:sp>
-      <p:sp>
-        <p:nvSpPr>
-          <p:cNvPr id="4" name="슬라이드 번호 개체 틀 3">
-            <a:extLst>
-              <a:ext uri="{FF2B5EF4-FFF2-40B4-BE49-F238E27FC236}">
-                <a16:creationId xmlns:a16="http://schemas.microsoft.com/office/drawing/2014/main" id="{4BF71B58-F5D0-46AC-B233-FC9018888618}"/>
+            <a:endParaRPr lang="ko-KR" altLang="en-US"/>
+          </a:p>
+        </p:txBody>
+      </p:sp>
+      <p:sp>
+        <p:nvSpPr>
+          <p:cNvPr id="2" name="슬라이드 번호 개체 틀 1">
+            <a:extLst>
+              <a:ext uri="{FF2B5EF4-FFF2-40B4-BE49-F238E27FC236}">
+                <a16:creationId xmlns:a16="http://schemas.microsoft.com/office/drawing/2014/main" id="{F16506F8-A8FF-4EB2-8612-5583C9E4AFA8}"/>
               </a:ext>
             </a:extLst>
           </p:cNvPr>
@@ -10959,6 +11406,147 @@
             <a:fld id="{218E8BD7-F182-4B37-9978-F83F0E1A36DD}" type="slidenum">
               <a:rPr lang="ko-KR" altLang="en-US" smtClean="0"/>
               <a:t>22</a:t>
+            </a:fld>
+            <a:endParaRPr lang="ko-KR" altLang="en-US"/>
+          </a:p>
+        </p:txBody>
+      </p:sp>
+    </p:spTree>
+    <p:extLst>
+      <p:ext uri="{BB962C8B-B14F-4D97-AF65-F5344CB8AC3E}">
+        <p14:creationId xmlns:p14="http://schemas.microsoft.com/office/powerpoint/2010/main" val="539334539"/>
+      </p:ext>
+    </p:extLst>
+  </p:cSld>
+  <p:clrMapOvr>
+    <a:masterClrMapping/>
+  </p:clrMapOvr>
+</p:sld>
+</file>
+
+<file path=ppt/slides/slide23.xml><?xml version="1.0" encoding="utf-8"?>
+<p:sld xmlns:a="http://schemas.openxmlformats.org/drawingml/2006/main" xmlns:r="http://schemas.openxmlformats.org/officeDocument/2006/relationships" xmlns:p="http://schemas.openxmlformats.org/presentationml/2006/main">
+  <p:cSld>
+    <p:spTree>
+      <p:nvGrpSpPr>
+        <p:cNvPr id="1" name=""/>
+        <p:cNvGrpSpPr/>
+        <p:nvPr/>
+      </p:nvGrpSpPr>
+      <p:grpSpPr>
+        <a:xfrm>
+          <a:off x="0" y="0"/>
+          <a:ext cx="0" cy="0"/>
+          <a:chOff x="0" y="0"/>
+          <a:chExt cx="0" cy="0"/>
+        </a:xfrm>
+      </p:grpSpPr>
+      <p:sp>
+        <p:nvSpPr>
+          <p:cNvPr id="5" name="제목 4">
+            <a:extLst>
+              <a:ext uri="{FF2B5EF4-FFF2-40B4-BE49-F238E27FC236}">
+                <a16:creationId xmlns:a16="http://schemas.microsoft.com/office/drawing/2014/main" id="{717FC086-4FFA-4982-9F96-3BC2E9E822A6}"/>
+              </a:ext>
+            </a:extLst>
+          </p:cNvPr>
+          <p:cNvSpPr>
+            <a:spLocks noGrp="1"/>
+          </p:cNvSpPr>
+          <p:nvPr>
+            <p:ph type="title"/>
+          </p:nvPr>
+        </p:nvSpPr>
+        <p:spPr/>
+        <p:txBody>
+          <a:bodyPr/>
+          <a:lstStyle/>
+          <a:p>
+            <a:r>
+              <a:rPr lang="en-US" altLang="ko-KR" dirty="0"/>
+              <a:t>HTML5</a:t>
+            </a:r>
+            <a:endParaRPr lang="ko-KR" altLang="en-US" dirty="0"/>
+          </a:p>
+        </p:txBody>
+      </p:sp>
+      <p:sp>
+        <p:nvSpPr>
+          <p:cNvPr id="6" name="내용 개체 틀 5">
+            <a:extLst>
+              <a:ext uri="{FF2B5EF4-FFF2-40B4-BE49-F238E27FC236}">
+                <a16:creationId xmlns:a16="http://schemas.microsoft.com/office/drawing/2014/main" id="{278DC7D8-37D9-44F0-AEB6-2CC6D02B5D06}"/>
+              </a:ext>
+            </a:extLst>
+          </p:cNvPr>
+          <p:cNvSpPr>
+            <a:spLocks noGrp="1"/>
+          </p:cNvSpPr>
+          <p:nvPr>
+            <p:ph idx="1"/>
+          </p:nvPr>
+        </p:nvSpPr>
+        <p:spPr/>
+        <p:txBody>
+          <a:bodyPr/>
+          <a:lstStyle/>
+          <a:p>
+            <a:r>
+              <a:rPr lang="en-US" altLang="ko-KR" dirty="0"/>
+              <a:t>ActiveX, Flash</a:t>
+            </a:r>
+            <a:r>
+              <a:rPr lang="ko-KR" altLang="en-US" dirty="0"/>
+              <a:t>등의 의존도를 낮춤</a:t>
+            </a:r>
+            <a:endParaRPr lang="en-US" altLang="ko-KR" dirty="0"/>
+          </a:p>
+          <a:p>
+            <a:r>
+              <a:rPr lang="ko-KR" altLang="en-US" dirty="0"/>
+              <a:t>현재 표준으로 쓰는 최신 </a:t>
+            </a:r>
+            <a:r>
+              <a:rPr lang="en-US" altLang="ko-KR" dirty="0"/>
+              <a:t>HTML</a:t>
+            </a:r>
+          </a:p>
+          <a:p>
+            <a:r>
+              <a:rPr lang="en-US" altLang="ko-KR" dirty="0"/>
+              <a:t>HTML5 + CSS + JS</a:t>
+            </a:r>
+            <a:r>
+              <a:rPr lang="ko-KR" altLang="en-US" dirty="0"/>
+              <a:t>을 이루는 말로 바뀜</a:t>
+            </a:r>
+          </a:p>
+        </p:txBody>
+      </p:sp>
+      <p:sp>
+        <p:nvSpPr>
+          <p:cNvPr id="4" name="슬라이드 번호 개체 틀 3">
+            <a:extLst>
+              <a:ext uri="{FF2B5EF4-FFF2-40B4-BE49-F238E27FC236}">
+                <a16:creationId xmlns:a16="http://schemas.microsoft.com/office/drawing/2014/main" id="{4BF71B58-F5D0-46AC-B233-FC9018888618}"/>
+              </a:ext>
+            </a:extLst>
+          </p:cNvPr>
+          <p:cNvSpPr>
+            <a:spLocks noGrp="1"/>
+          </p:cNvSpPr>
+          <p:nvPr>
+            <p:ph type="sldNum" sz="quarter" idx="12"/>
+          </p:nvPr>
+        </p:nvSpPr>
+        <p:spPr/>
+        <p:txBody>
+          <a:bodyPr/>
+          <a:lstStyle/>
+          <a:p>
+            <a:fld id="{218E8BD7-F182-4B37-9978-F83F0E1A36DD}" type="slidenum">
+              <a:rPr lang="ko-KR" altLang="en-US" smtClean="0"/>
+              <a:t>23</a:t>
             </a:fld>
             <a:endParaRPr lang="ko-KR" altLang="en-US"/>
           </a:p>
@@ -11024,7 +11612,7 @@
 </p:sld>
 </file>
 
-<file path=ppt/slides/slide23.xml><?xml version="1.0" encoding="utf-8"?>
+<file path=ppt/slides/slide24.xml><?xml version="1.0" encoding="utf-8"?>
 <p:sld xmlns:a="http://schemas.openxmlformats.org/drawingml/2006/main" xmlns:r="http://schemas.openxmlformats.org/officeDocument/2006/relationships" xmlns:p="http://schemas.openxmlformats.org/presentationml/2006/main">
   <p:cSld>
     <p:spTree>
@@ -11157,7 +11745,7 @@
           <a:p>
             <a:fld id="{218E8BD7-F182-4B37-9978-F83F0E1A36DD}" type="slidenum">
               <a:rPr lang="ko-KR" altLang="en-US" smtClean="0"/>
-              <a:t>23</a:t>
+              <a:t>24</a:t>
             </a:fld>
             <a:endParaRPr lang="ko-KR" altLang="en-US"/>
           </a:p>
@@ -11176,7 +11764,7 @@
 </p:sld>
 </file>
 
-<file path=ppt/slides/slide24.xml><?xml version="1.0" encoding="utf-8"?>
+<file path=ppt/slides/slide25.xml><?xml version="1.0" encoding="utf-8"?>
 <p:sld xmlns:a="http://schemas.openxmlformats.org/drawingml/2006/main" xmlns:r="http://schemas.openxmlformats.org/officeDocument/2006/relationships" xmlns:p="http://schemas.openxmlformats.org/presentationml/2006/main">
   <p:cSld>
     <p:spTree>
@@ -11297,7 +11885,7 @@
           <a:p>
             <a:fld id="{218E8BD7-F182-4B37-9978-F83F0E1A36DD}" type="slidenum">
               <a:rPr lang="ko-KR" altLang="en-US" smtClean="0"/>
-              <a:t>24</a:t>
+              <a:t>25</a:t>
             </a:fld>
             <a:endParaRPr lang="ko-KR" altLang="en-US"/>
           </a:p>
@@ -11472,7 +12060,7 @@
 </p:sld>
 </file>
 
-<file path=ppt/slides/slide25.xml><?xml version="1.0" encoding="utf-8"?>
+<file path=ppt/slides/slide26.xml><?xml version="1.0" encoding="utf-8"?>
 <p:sld xmlns:a="http://schemas.openxmlformats.org/drawingml/2006/main" xmlns:r="http://schemas.openxmlformats.org/officeDocument/2006/relationships" xmlns:p="http://schemas.openxmlformats.org/presentationml/2006/main">
   <p:cSld>
     <p:spTree>
@@ -11639,7 +12227,7 @@
           <a:p>
             <a:fld id="{218E8BD7-F182-4B37-9978-F83F0E1A36DD}" type="slidenum">
               <a:rPr lang="ko-KR" altLang="en-US" smtClean="0"/>
-              <a:t>25</a:t>
+              <a:t>26</a:t>
             </a:fld>
             <a:endParaRPr lang="ko-KR" altLang="en-US"/>
           </a:p>
@@ -11756,7 +12344,7 @@
 </p:sld>
 </file>
 
-<file path=ppt/slides/slide26.xml><?xml version="1.0" encoding="utf-8"?>
+<file path=ppt/slides/slide27.xml><?xml version="1.0" encoding="utf-8"?>
 <p:sld xmlns:a="http://schemas.openxmlformats.org/drawingml/2006/main" xmlns:r="http://schemas.openxmlformats.org/officeDocument/2006/relationships" xmlns:p="http://schemas.openxmlformats.org/presentationml/2006/main">
   <p:cSld>
     <p:spTree>
@@ -11877,7 +12465,7 @@
           <a:p>
             <a:fld id="{218E8BD7-F182-4B37-9978-F83F0E1A36DD}" type="slidenum">
               <a:rPr lang="ko-KR" altLang="en-US" smtClean="0"/>
-              <a:t>26</a:t>
+              <a:t>27</a:t>
             </a:fld>
             <a:endParaRPr lang="ko-KR" altLang="en-US"/>
           </a:p>
@@ -12134,7 +12722,7 @@
 </p:sld>
 </file>
 
-<file path=ppt/slides/slide27.xml><?xml version="1.0" encoding="utf-8"?>
+<file path=ppt/slides/slide28.xml><?xml version="1.0" encoding="utf-8"?>
 <p:sld xmlns:a="http://schemas.openxmlformats.org/drawingml/2006/main" xmlns:r="http://schemas.openxmlformats.org/officeDocument/2006/relationships" xmlns:p="http://schemas.openxmlformats.org/presentationml/2006/main">
   <p:cSld>
     <p:spTree>
@@ -12292,7 +12880,7 @@
           <a:p>
             <a:fld id="{218E8BD7-F182-4B37-9978-F83F0E1A36DD}" type="slidenum">
               <a:rPr lang="ko-KR" altLang="en-US" smtClean="0"/>
-              <a:t>27</a:t>
+              <a:t>28</a:t>
             </a:fld>
             <a:endParaRPr lang="ko-KR" altLang="en-US"/>
           </a:p>
@@ -13914,10 +14502,10 @@
       </p:sp>
       <p:pic>
         <p:nvPicPr>
-          <p:cNvPr id="5" name="그림 4">
-            <a:extLst>
-              <a:ext uri="{FF2B5EF4-FFF2-40B4-BE49-F238E27FC236}">
-                <a16:creationId xmlns:a16="http://schemas.microsoft.com/office/drawing/2014/main" id="{41534904-C6C2-4054-BF3D-00950616CC68}"/>
+          <p:cNvPr id="10" name="그림 9">
+            <a:extLst>
+              <a:ext uri="{FF2B5EF4-FFF2-40B4-BE49-F238E27FC236}">
+                <a16:creationId xmlns:a16="http://schemas.microsoft.com/office/drawing/2014/main" id="{2DA2AFE3-406A-4FE4-9199-26AE9BB84B91}"/>
               </a:ext>
             </a:extLst>
           </p:cNvPr>
@@ -13934,37 +14522,7 @@
         </p:blipFill>
         <p:spPr>
           <a:xfrm>
-            <a:off x="2127731" y="2737875"/>
-            <a:ext cx="3629025" cy="1533525"/>
-          </a:xfrm>
-          <a:prstGeom prst="rect">
-            <a:avLst/>
-          </a:prstGeom>
-        </p:spPr>
-      </p:pic>
-      <p:pic>
-        <p:nvPicPr>
-          <p:cNvPr id="10" name="그림 9">
-            <a:extLst>
-              <a:ext uri="{FF2B5EF4-FFF2-40B4-BE49-F238E27FC236}">
-                <a16:creationId xmlns:a16="http://schemas.microsoft.com/office/drawing/2014/main" id="{2DA2AFE3-406A-4FE4-9199-26AE9BB84B91}"/>
-              </a:ext>
-            </a:extLst>
-          </p:cNvPr>
-          <p:cNvPicPr>
-            <a:picLocks noChangeAspect="1"/>
-          </p:cNvPicPr>
-          <p:nvPr/>
-        </p:nvPicPr>
-        <p:blipFill>
-          <a:blip r:embed="rId4"/>
-          <a:stretch>
-            <a:fillRect/>
-          </a:stretch>
-        </p:blipFill>
-        <p:spPr>
-          <a:xfrm>
-            <a:off x="6796087" y="347662"/>
+            <a:off x="4679287" y="333375"/>
             <a:ext cx="3629025" cy="6191250"/>
           </a:xfrm>
           <a:prstGeom prst="rect">
@@ -15187,11 +15745,19 @@
             </a:r>
             <a:r>
               <a:rPr lang="ko-KR" altLang="en-US" dirty="0"/>
-              <a:t>을 쓰면 </a:t>
+              <a:t>을 </a:t>
+            </a:r>
+            <a:r>
+              <a:rPr lang="ko-KR" altLang="en-US" dirty="0" err="1"/>
+              <a:t>안쓰면</a:t>
+            </a:r>
+            <a:r>
+              <a:rPr lang="ko-KR" altLang="en-US" dirty="0"/>
+              <a:t> </a:t>
             </a:r>
             <a:r>
               <a:rPr lang="en-US" altLang="ko-KR" dirty="0"/>
-              <a:t>1</a:t>
+              <a:t>4</a:t>
             </a:r>
             <a:endParaRPr lang="ko-KR" altLang="en-US" dirty="0"/>
           </a:p>
@@ -15221,6 +15787,132 @@
             <a:fld id="{218E8BD7-F182-4B37-9978-F83F0E1A36DD}" type="slidenum">
               <a:rPr lang="ko-KR" altLang="en-US" smtClean="0"/>
               <a:t>8</a:t>
+            </a:fld>
+            <a:endParaRPr lang="ko-KR" altLang="en-US"/>
+          </a:p>
+        </p:txBody>
+      </p:sp>
+      <p:pic>
+        <p:nvPicPr>
+          <p:cNvPr id="5" name="그림 4">
+            <a:extLst>
+              <a:ext uri="{FF2B5EF4-FFF2-40B4-BE49-F238E27FC236}">
+                <a16:creationId xmlns:a16="http://schemas.microsoft.com/office/drawing/2014/main" id="{41534904-C6C2-4054-BF3D-00950616CC68}"/>
+              </a:ext>
+            </a:extLst>
+          </p:cNvPr>
+          <p:cNvPicPr>
+            <a:picLocks noChangeAspect="1"/>
+          </p:cNvPicPr>
+          <p:nvPr/>
+        </p:nvPicPr>
+        <p:blipFill>
+          <a:blip r:embed="rId3"/>
+          <a:stretch>
+            <a:fillRect/>
+          </a:stretch>
+        </p:blipFill>
+        <p:spPr>
+          <a:xfrm>
+            <a:off x="4136531" y="2961075"/>
+            <a:ext cx="3629025" cy="1533525"/>
+          </a:xfrm>
+          <a:prstGeom prst="rect">
+            <a:avLst/>
+          </a:prstGeom>
+        </p:spPr>
+      </p:pic>
+    </p:spTree>
+    <p:extLst>
+      <p:ext uri="{BB962C8B-B14F-4D97-AF65-F5344CB8AC3E}">
+        <p14:creationId xmlns:p14="http://schemas.microsoft.com/office/powerpoint/2010/main" val="1409519644"/>
+      </p:ext>
+    </p:extLst>
+  </p:cSld>
+  <p:clrMapOvr>
+    <a:masterClrMapping/>
+  </p:clrMapOvr>
+</p:sld>
+</file>
+
+<file path=ppt/slides/slide9.xml><?xml version="1.0" encoding="utf-8"?>
+<p:sld xmlns:a="http://schemas.openxmlformats.org/drawingml/2006/main" xmlns:r="http://schemas.openxmlformats.org/officeDocument/2006/relationships" xmlns:p="http://schemas.openxmlformats.org/presentationml/2006/main">
+  <p:cSld>
+    <p:spTree>
+      <p:nvGrpSpPr>
+        <p:cNvPr id="1" name=""/>
+        <p:cNvGrpSpPr/>
+        <p:nvPr/>
+      </p:nvGrpSpPr>
+      <p:grpSpPr>
+        <a:xfrm>
+          <a:off x="0" y="0"/>
+          <a:ext cx="0" cy="0"/>
+          <a:chOff x="0" y="0"/>
+          <a:chExt cx="0" cy="0"/>
+        </a:xfrm>
+      </p:grpSpPr>
+      <p:sp>
+        <p:nvSpPr>
+          <p:cNvPr id="2" name="제목 1">
+            <a:extLst>
+              <a:ext uri="{FF2B5EF4-FFF2-40B4-BE49-F238E27FC236}">
+                <a16:creationId xmlns:a16="http://schemas.microsoft.com/office/drawing/2014/main" id="{672A6FBF-DD5F-4EB2-9378-E626E47411B8}"/>
+              </a:ext>
+            </a:extLst>
+          </p:cNvPr>
+          <p:cNvSpPr>
+            <a:spLocks noGrp="1"/>
+          </p:cNvSpPr>
+          <p:nvPr>
+            <p:ph type="title"/>
+          </p:nvPr>
+        </p:nvSpPr>
+        <p:spPr/>
+        <p:txBody>
+          <a:bodyPr/>
+          <a:lstStyle/>
+          <a:p>
+            <a:r>
+              <a:rPr lang="en-US" altLang="ko-KR" dirty="0"/>
+              <a:t>Git</a:t>
+            </a:r>
+            <a:r>
+              <a:rPr lang="ko-KR" altLang="en-US" dirty="0"/>
+              <a:t>을 쓰면 </a:t>
+            </a:r>
+            <a:r>
+              <a:rPr lang="en-US" altLang="ko-KR" dirty="0"/>
+              <a:t>1</a:t>
+            </a:r>
+            <a:endParaRPr lang="ko-KR" altLang="en-US" dirty="0"/>
+          </a:p>
+        </p:txBody>
+      </p:sp>
+      <p:sp>
+        <p:nvSpPr>
+          <p:cNvPr id="3" name="슬라이드 번호 개체 틀 2">
+            <a:extLst>
+              <a:ext uri="{FF2B5EF4-FFF2-40B4-BE49-F238E27FC236}">
+                <a16:creationId xmlns:a16="http://schemas.microsoft.com/office/drawing/2014/main" id="{F7C8F756-9A95-469E-B5B4-3CA36430C290}"/>
+              </a:ext>
+            </a:extLst>
+          </p:cNvPr>
+          <p:cNvSpPr>
+            <a:spLocks noGrp="1"/>
+          </p:cNvSpPr>
+          <p:nvPr>
+            <p:ph type="sldNum" sz="quarter" idx="12"/>
+          </p:nvPr>
+        </p:nvSpPr>
+        <p:spPr/>
+        <p:txBody>
+          <a:bodyPr/>
+          <a:lstStyle/>
+          <a:p>
+            <a:fld id="{218E8BD7-F182-4B37-9978-F83F0E1A36DD}" type="slidenum">
+              <a:rPr lang="ko-KR" altLang="en-US" smtClean="0"/>
+              <a:t>9</a:t>
             </a:fld>
             <a:endParaRPr lang="ko-KR" altLang="en-US"/>
           </a:p>
@@ -16495,509 +17187,6 @@
       <p:bldP spid="25" grpId="0" animBg="1"/>
     </p:bldLst>
   </p:timing>
-</p:sld>
-</file>
-
-<file path=ppt/slides/slide9.xml><?xml version="1.0" encoding="utf-8"?>
-<p:sld xmlns:a="http://schemas.openxmlformats.org/drawingml/2006/main" xmlns:r="http://schemas.openxmlformats.org/officeDocument/2006/relationships" xmlns:p="http://schemas.openxmlformats.org/presentationml/2006/main">
-  <p:cSld>
-    <p:spTree>
-      <p:nvGrpSpPr>
-        <p:cNvPr id="1" name=""/>
-        <p:cNvGrpSpPr/>
-        <p:nvPr/>
-      </p:nvGrpSpPr>
-      <p:grpSpPr>
-        <a:xfrm>
-          <a:off x="0" y="0"/>
-          <a:ext cx="0" cy="0"/>
-          <a:chOff x="0" y="0"/>
-          <a:chExt cx="0" cy="0"/>
-        </a:xfrm>
-      </p:grpSpPr>
-      <p:sp>
-        <p:nvSpPr>
-          <p:cNvPr id="29" name="TextBox 28">
-            <a:extLst>
-              <a:ext uri="{FF2B5EF4-FFF2-40B4-BE49-F238E27FC236}">
-                <a16:creationId xmlns:a16="http://schemas.microsoft.com/office/drawing/2014/main" id="{FAA5CCB1-D53F-4687-A021-C5ED8CC86F4B}"/>
-              </a:ext>
-            </a:extLst>
-          </p:cNvPr>
-          <p:cNvSpPr txBox="1"/>
-          <p:nvPr/>
-        </p:nvSpPr>
-        <p:spPr>
-          <a:xfrm>
-            <a:off x="4456902" y="3013359"/>
-            <a:ext cx="2858400" cy="1200329"/>
-          </a:xfrm>
-          <a:prstGeom prst="rect">
-            <a:avLst/>
-          </a:prstGeom>
-          <a:noFill/>
-          <a:ln>
-            <a:solidFill>
-              <a:schemeClr val="tx1"/>
-            </a:solidFill>
-          </a:ln>
-        </p:spPr>
-        <p:txBody>
-          <a:bodyPr wrap="square" rtlCol="0">
-            <a:spAutoFit/>
-          </a:bodyPr>
-          <a:lstStyle/>
-          <a:p>
-            <a:r>
-              <a:rPr lang="ko-KR" altLang="en-US" sz="1200" dirty="0"/>
-              <a:t>숨이 막힐 거 같이 </a:t>
-            </a:r>
-            <a:r>
-              <a:rPr lang="ko-KR" altLang="en-US" sz="1200" b="1" u="sng" dirty="0"/>
-              <a:t>뜨거웠던</a:t>
-            </a:r>
-            <a:r>
-              <a:rPr lang="ko-KR" altLang="en-US" sz="1200" dirty="0"/>
-              <a:t> 공기 속에</a:t>
-            </a:r>
-          </a:p>
-          <a:p>
-            <a:r>
-              <a:rPr lang="ko-KR" altLang="en-US" sz="1200" dirty="0"/>
-              <a:t>너의 체온이 내게 </a:t>
-            </a:r>
-            <a:r>
-              <a:rPr lang="ko-KR" altLang="en-US" sz="1200" b="1" u="sng" dirty="0" err="1"/>
-              <a:t>녹아</a:t>
-            </a:r>
-            <a:r>
-              <a:rPr lang="ko-KR" altLang="en-US" sz="1200" b="1" dirty="0" err="1"/>
-              <a:t>들어</a:t>
-            </a:r>
-            <a:r>
-              <a:rPr lang="ko-KR" altLang="en-US" sz="1200" dirty="0"/>
-              <a:t> 오고 있어</a:t>
-            </a:r>
-          </a:p>
-          <a:p>
-            <a:r>
-              <a:rPr lang="ko-KR" altLang="en-US" sz="1200" dirty="0"/>
-              <a:t>우리 둘은 </a:t>
-            </a:r>
-            <a:r>
-              <a:rPr lang="ko-KR" altLang="en-US" sz="1200" b="1" u="sng" dirty="0"/>
-              <a:t>녹지</a:t>
-            </a:r>
-            <a:r>
-              <a:rPr lang="ko-KR" altLang="en-US" sz="1200" dirty="0"/>
-              <a:t> 않을 꺼야</a:t>
-            </a:r>
-          </a:p>
-          <a:p>
-            <a:r>
-              <a:rPr lang="ko-KR" altLang="en-US" sz="1200" dirty="0"/>
-              <a:t>바다 속의 </a:t>
-            </a:r>
-            <a:r>
-              <a:rPr lang="ko-KR" altLang="en-US" sz="1200" b="1" u="sng" dirty="0"/>
-              <a:t>맨틀층까지</a:t>
-            </a:r>
-            <a:r>
-              <a:rPr lang="ko-KR" altLang="en-US" sz="1200" dirty="0"/>
-              <a:t> 녹일 꺼야</a:t>
-            </a:r>
-          </a:p>
-          <a:p>
-            <a:r>
-              <a:rPr lang="ko-KR" altLang="en-US" sz="1200" dirty="0"/>
-              <a:t>춤을 추며 </a:t>
-            </a:r>
-            <a:r>
-              <a:rPr lang="ko-KR" altLang="en-US" sz="1200" b="1" u="sng" dirty="0"/>
-              <a:t>슬픔</a:t>
-            </a:r>
-            <a:r>
-              <a:rPr lang="ko-KR" altLang="en-US" sz="1200" dirty="0"/>
-              <a:t>이랑 싸울 꺼야</a:t>
-            </a:r>
-          </a:p>
-          <a:p>
-            <a:r>
-              <a:rPr lang="ko-KR" altLang="en-US" sz="1200" dirty="0"/>
-              <a:t>얼어 붙은 아스팔트 도시 위로</a:t>
-            </a:r>
-          </a:p>
-        </p:txBody>
-      </p:sp>
-      <p:sp>
-        <p:nvSpPr>
-          <p:cNvPr id="2" name="제목 1">
-            <a:extLst>
-              <a:ext uri="{FF2B5EF4-FFF2-40B4-BE49-F238E27FC236}">
-                <a16:creationId xmlns:a16="http://schemas.microsoft.com/office/drawing/2014/main" id="{672A6FBF-DD5F-4EB2-9378-E626E47411B8}"/>
-              </a:ext>
-            </a:extLst>
-          </p:cNvPr>
-          <p:cNvSpPr>
-            <a:spLocks noGrp="1"/>
-          </p:cNvSpPr>
-          <p:nvPr>
-            <p:ph type="title"/>
-          </p:nvPr>
-        </p:nvSpPr>
-        <p:spPr/>
-        <p:txBody>
-          <a:bodyPr/>
-          <a:lstStyle/>
-          <a:p>
-            <a:r>
-              <a:rPr lang="en-US" altLang="ko-KR" dirty="0"/>
-              <a:t>Git</a:t>
-            </a:r>
-            <a:r>
-              <a:rPr lang="ko-KR" altLang="en-US" dirty="0"/>
-              <a:t>을 쓰면 </a:t>
-            </a:r>
-            <a:r>
-              <a:rPr lang="en-US" altLang="ko-KR" dirty="0"/>
-              <a:t>2</a:t>
-            </a:r>
-            <a:endParaRPr lang="ko-KR" altLang="en-US" dirty="0"/>
-          </a:p>
-        </p:txBody>
-      </p:sp>
-      <p:sp>
-        <p:nvSpPr>
-          <p:cNvPr id="3" name="슬라이드 번호 개체 틀 2">
-            <a:extLst>
-              <a:ext uri="{FF2B5EF4-FFF2-40B4-BE49-F238E27FC236}">
-                <a16:creationId xmlns:a16="http://schemas.microsoft.com/office/drawing/2014/main" id="{BC938880-9758-47A8-8157-58F7E8B313A0}"/>
-              </a:ext>
-            </a:extLst>
-          </p:cNvPr>
-          <p:cNvSpPr>
-            <a:spLocks noGrp="1"/>
-          </p:cNvSpPr>
-          <p:nvPr>
-            <p:ph type="sldNum" sz="quarter" idx="12"/>
-          </p:nvPr>
-        </p:nvSpPr>
-        <p:spPr/>
-        <p:txBody>
-          <a:bodyPr/>
-          <a:lstStyle/>
-          <a:p>
-            <a:fld id="{218E8BD7-F182-4B37-9978-F83F0E1A36DD}" type="slidenum">
-              <a:rPr lang="ko-KR" altLang="en-US" smtClean="0"/>
-              <a:t>9</a:t>
-            </a:fld>
-            <a:endParaRPr lang="ko-KR" altLang="en-US"/>
-          </a:p>
-        </p:txBody>
-      </p:sp>
-      <p:pic>
-        <p:nvPicPr>
-          <p:cNvPr id="9" name="그림 8">
-            <a:extLst>
-              <a:ext uri="{FF2B5EF4-FFF2-40B4-BE49-F238E27FC236}">
-                <a16:creationId xmlns:a16="http://schemas.microsoft.com/office/drawing/2014/main" id="{6CEAEC73-74E9-49E7-B432-7C0450F206AD}"/>
-              </a:ext>
-            </a:extLst>
-          </p:cNvPr>
-          <p:cNvPicPr>
-            <a:picLocks noChangeAspect="1"/>
-          </p:cNvPicPr>
-          <p:nvPr/>
-        </p:nvPicPr>
-        <p:blipFill>
-          <a:blip r:embed="rId3"/>
-          <a:stretch>
-            <a:fillRect/>
-          </a:stretch>
-        </p:blipFill>
-        <p:spPr>
-          <a:xfrm>
-            <a:off x="8062453" y="2342711"/>
-            <a:ext cx="6582694" cy="2981741"/>
-          </a:xfrm>
-          <a:prstGeom prst="rect">
-            <a:avLst/>
-          </a:prstGeom>
-        </p:spPr>
-      </p:pic>
-      <p:sp>
-        <p:nvSpPr>
-          <p:cNvPr id="12" name="TextBox 11">
-            <a:extLst>
-              <a:ext uri="{FF2B5EF4-FFF2-40B4-BE49-F238E27FC236}">
-                <a16:creationId xmlns:a16="http://schemas.microsoft.com/office/drawing/2014/main" id="{7872DE88-A5F4-432C-A6C2-23A984D63D6F}"/>
-              </a:ext>
-            </a:extLst>
-          </p:cNvPr>
-          <p:cNvSpPr txBox="1"/>
-          <p:nvPr/>
-        </p:nvSpPr>
-        <p:spPr>
-          <a:xfrm>
-            <a:off x="626059" y="2148944"/>
-            <a:ext cx="1819729" cy="369332"/>
-          </a:xfrm>
-          <a:prstGeom prst="rect">
-            <a:avLst/>
-          </a:prstGeom>
-          <a:noFill/>
-        </p:spPr>
-        <p:txBody>
-          <a:bodyPr wrap="none" rtlCol="0">
-            <a:spAutoFit/>
-          </a:bodyPr>
-          <a:lstStyle/>
-          <a:p>
-            <a:r>
-              <a:rPr lang="en-US" altLang="ko-KR" dirty="0"/>
-              <a:t>Git Commit List</a:t>
-            </a:r>
-            <a:endParaRPr lang="ko-KR" altLang="en-US" dirty="0"/>
-          </a:p>
-        </p:txBody>
-      </p:sp>
-      <p:sp>
-        <p:nvSpPr>
-          <p:cNvPr id="13" name="TextBox 12">
-            <a:extLst>
-              <a:ext uri="{FF2B5EF4-FFF2-40B4-BE49-F238E27FC236}">
-                <a16:creationId xmlns:a16="http://schemas.microsoft.com/office/drawing/2014/main" id="{3CD59E8D-69CF-4BE5-8916-DFA247674B41}"/>
-              </a:ext>
-            </a:extLst>
-          </p:cNvPr>
-          <p:cNvSpPr txBox="1"/>
-          <p:nvPr/>
-        </p:nvSpPr>
-        <p:spPr>
-          <a:xfrm>
-            <a:off x="680314" y="2664580"/>
-            <a:ext cx="3635654" cy="1754326"/>
-          </a:xfrm>
-          <a:prstGeom prst="rect">
-            <a:avLst/>
-          </a:prstGeom>
-          <a:noFill/>
-        </p:spPr>
-        <p:txBody>
-          <a:bodyPr wrap="square" rtlCol="0">
-            <a:spAutoFit/>
-          </a:bodyPr>
-          <a:lstStyle/>
-          <a:p>
-            <a:pPr marL="342900" indent="-342900">
-              <a:buAutoNum type="arabicPeriod"/>
-            </a:pPr>
-            <a:r>
-              <a:rPr lang="ko-KR" altLang="en-US" dirty="0"/>
-              <a:t>가사초안</a:t>
-            </a:r>
-            <a:endParaRPr lang="en-US" altLang="ko-KR" dirty="0"/>
-          </a:p>
-          <a:p>
-            <a:pPr marL="342900" indent="-342900">
-              <a:buAutoNum type="arabicPeriod"/>
-            </a:pPr>
-            <a:r>
-              <a:rPr lang="ko-KR" altLang="en-US" dirty="0"/>
-              <a:t>얼어붙지 </a:t>
-            </a:r>
-            <a:r>
-              <a:rPr lang="en-US" altLang="ko-KR" dirty="0"/>
-              <a:t>&gt; </a:t>
-            </a:r>
-            <a:r>
-              <a:rPr lang="ko-KR" altLang="en-US" dirty="0"/>
-              <a:t>녹지로 수정</a:t>
-            </a:r>
-            <a:endParaRPr lang="en-US" altLang="ko-KR" dirty="0"/>
-          </a:p>
-          <a:p>
-            <a:pPr marL="342900" indent="-342900">
-              <a:buAutoNum type="arabicPeriod"/>
-            </a:pPr>
-            <a:r>
-              <a:rPr lang="ko-KR" altLang="en-US" dirty="0"/>
-              <a:t>모래 </a:t>
-            </a:r>
-            <a:r>
-              <a:rPr lang="en-US" altLang="ko-KR" dirty="0"/>
-              <a:t>&gt; </a:t>
-            </a:r>
-            <a:r>
-              <a:rPr lang="ko-KR" altLang="en-US" dirty="0"/>
-              <a:t>맨틀층으로 수정</a:t>
-            </a:r>
-            <a:endParaRPr lang="en-US" altLang="ko-KR" dirty="0"/>
-          </a:p>
-          <a:p>
-            <a:pPr marL="342900" indent="-342900">
-              <a:buAutoNum type="arabicPeriod"/>
-            </a:pPr>
-            <a:r>
-              <a:rPr lang="ko-KR" altLang="en-US" dirty="0"/>
-              <a:t>스며 </a:t>
-            </a:r>
-            <a:r>
-              <a:rPr lang="en-US" altLang="ko-KR" dirty="0"/>
-              <a:t>&gt; </a:t>
-            </a:r>
-            <a:r>
-              <a:rPr lang="ko-KR" altLang="en-US" dirty="0"/>
-              <a:t>녹아 로 수정</a:t>
-            </a:r>
-            <a:endParaRPr lang="en-US" altLang="ko-KR" dirty="0"/>
-          </a:p>
-          <a:p>
-            <a:pPr marL="342900" indent="-342900">
-              <a:buAutoNum type="arabicPeriod"/>
-            </a:pPr>
-            <a:r>
-              <a:rPr lang="ko-KR" altLang="en-US" dirty="0"/>
-              <a:t>절망 </a:t>
-            </a:r>
-            <a:r>
-              <a:rPr lang="en-US" altLang="ko-KR" dirty="0"/>
-              <a:t>&gt; </a:t>
-            </a:r>
-            <a:r>
-              <a:rPr lang="ko-KR" altLang="en-US" dirty="0"/>
-              <a:t>슬픔으로 수정</a:t>
-            </a:r>
-            <a:endParaRPr lang="en-US" altLang="ko-KR" dirty="0"/>
-          </a:p>
-          <a:p>
-            <a:pPr marL="342900" indent="-342900">
-              <a:buAutoNum type="arabicPeriod"/>
-            </a:pPr>
-            <a:r>
-              <a:rPr lang="en-US" altLang="ko-KR" dirty="0"/>
-              <a:t>(</a:t>
-            </a:r>
-            <a:r>
-              <a:rPr lang="ko-KR" altLang="en-US" dirty="0"/>
-              <a:t>최종</a:t>
-            </a:r>
-            <a:r>
-              <a:rPr lang="en-US" altLang="ko-KR" dirty="0"/>
-              <a:t>) </a:t>
-            </a:r>
-            <a:r>
-              <a:rPr lang="ko-KR" altLang="en-US" dirty="0"/>
-              <a:t>차가웠던 </a:t>
-            </a:r>
-            <a:r>
-              <a:rPr lang="en-US" altLang="ko-KR" dirty="0"/>
-              <a:t>&gt; </a:t>
-            </a:r>
-            <a:r>
-              <a:rPr lang="ko-KR" altLang="en-US" dirty="0"/>
-              <a:t>뜨거웠던</a:t>
-            </a:r>
-          </a:p>
-        </p:txBody>
-      </p:sp>
-      <p:sp>
-        <p:nvSpPr>
-          <p:cNvPr id="22" name="화살표: 오른쪽 21">
-            <a:extLst>
-              <a:ext uri="{FF2B5EF4-FFF2-40B4-BE49-F238E27FC236}">
-                <a16:creationId xmlns:a16="http://schemas.microsoft.com/office/drawing/2014/main" id="{168767F1-59DA-4D7D-8D7F-7A3B8F95C355}"/>
-              </a:ext>
-            </a:extLst>
-          </p:cNvPr>
-          <p:cNvSpPr/>
-          <p:nvPr/>
-        </p:nvSpPr>
-        <p:spPr>
-          <a:xfrm>
-            <a:off x="184529" y="4121023"/>
-            <a:ext cx="441530" cy="218702"/>
-          </a:xfrm>
-          <a:prstGeom prst="rightArrow">
-            <a:avLst/>
-          </a:prstGeom>
-        </p:spPr>
-        <p:style>
-          <a:lnRef idx="2">
-            <a:schemeClr val="accent1">
-              <a:shade val="50000"/>
-            </a:schemeClr>
-          </a:lnRef>
-          <a:fillRef idx="1">
-            <a:schemeClr val="accent1"/>
-          </a:fillRef>
-          <a:effectRef idx="0">
-            <a:schemeClr val="accent1"/>
-          </a:effectRef>
-          <a:fontRef idx="minor">
-            <a:schemeClr val="lt1"/>
-          </a:fontRef>
-        </p:style>
-        <p:txBody>
-          <a:bodyPr rtlCol="0" anchor="ctr"/>
-          <a:lstStyle/>
-          <a:p>
-            <a:pPr algn="ctr"/>
-            <a:endParaRPr lang="ko-KR" altLang="en-US"/>
-          </a:p>
-        </p:txBody>
-      </p:sp>
-      <p:sp>
-        <p:nvSpPr>
-          <p:cNvPr id="28" name="TextBox 27">
-            <a:extLst>
-              <a:ext uri="{FF2B5EF4-FFF2-40B4-BE49-F238E27FC236}">
-                <a16:creationId xmlns:a16="http://schemas.microsoft.com/office/drawing/2014/main" id="{EAE81237-86E8-48F8-9415-A583AFA2D915}"/>
-              </a:ext>
-            </a:extLst>
-          </p:cNvPr>
-          <p:cNvSpPr txBox="1"/>
-          <p:nvPr/>
-        </p:nvSpPr>
-        <p:spPr>
-          <a:xfrm>
-            <a:off x="5200273" y="4261840"/>
-            <a:ext cx="1365196" cy="276999"/>
-          </a:xfrm>
-          <a:prstGeom prst="rect">
-            <a:avLst/>
-          </a:prstGeom>
-          <a:noFill/>
-        </p:spPr>
-        <p:txBody>
-          <a:bodyPr wrap="square" rtlCol="0">
-            <a:spAutoFit/>
-          </a:bodyPr>
-          <a:lstStyle/>
-          <a:p>
-            <a:pPr algn="ctr"/>
-            <a:r>
-              <a:rPr lang="ko-KR" altLang="en-US" sz="1200" dirty="0"/>
-              <a:t>가사</a:t>
-            </a:r>
-            <a:r>
-              <a:rPr lang="en-US" altLang="ko-KR" sz="1200" dirty="0"/>
-              <a:t>.txt</a:t>
-            </a:r>
-            <a:endParaRPr lang="ko-KR" altLang="en-US" sz="1200" dirty="0"/>
-          </a:p>
-        </p:txBody>
-      </p:sp>
-    </p:spTree>
-    <p:extLst>
-      <p:ext uri="{BB962C8B-B14F-4D97-AF65-F5344CB8AC3E}">
-        <p14:creationId xmlns:p14="http://schemas.microsoft.com/office/powerpoint/2010/main" val="1903098490"/>
-      </p:ext>
-    </p:extLst>
-  </p:cSld>
-  <p:clrMapOvr>
-    <a:masterClrMapping/>
-  </p:clrMapOvr>
 </p:sld>
 </file>
 

--- a/2-git/2.git.pptx
+++ b/2-git/2.git.pptx
@@ -9413,13 +9413,10 @@
             <a:endParaRPr lang="en-US" altLang="ko-KR" dirty="0"/>
           </a:p>
           <a:p>
+            <a:pPr marL="0" indent="0">
+              <a:buNone/>
+            </a:pPr>
             <a:endParaRPr lang="en-US" altLang="ko-KR" dirty="0"/>
-          </a:p>
-          <a:p>
-            <a:r>
-              <a:rPr lang="ko-KR" altLang="en-US" dirty="0"/>
-              <a:t>변경 내용만 가져오고 적용은 하지 않음</a:t>
-            </a:r>
           </a:p>
         </p:txBody>
       </p:sp>
@@ -10526,36 +10523,6 @@
           </a:p>
         </p:txBody>
       </p:sp>
-      <p:pic>
-        <p:nvPicPr>
-          <p:cNvPr id="21" name="그림 20">
-            <a:extLst>
-              <a:ext uri="{FF2B5EF4-FFF2-40B4-BE49-F238E27FC236}">
-                <a16:creationId xmlns:a16="http://schemas.microsoft.com/office/drawing/2014/main" id="{8F35E806-55E8-499A-9679-F08BFB6B43E8}"/>
-              </a:ext>
-            </a:extLst>
-          </p:cNvPr>
-          <p:cNvPicPr>
-            <a:picLocks noChangeAspect="1"/>
-          </p:cNvPicPr>
-          <p:nvPr/>
-        </p:nvPicPr>
-        <p:blipFill>
-          <a:blip r:embed="rId3"/>
-          <a:stretch>
-            <a:fillRect/>
-          </a:stretch>
-        </p:blipFill>
-        <p:spPr>
-          <a:xfrm>
-            <a:off x="9009748" y="1295371"/>
-            <a:ext cx="2230180" cy="2035601"/>
-          </a:xfrm>
-          <a:prstGeom prst="rect">
-            <a:avLst/>
-          </a:prstGeom>
-        </p:spPr>
-      </p:pic>
     </p:spTree>
     <p:extLst>
       <p:ext uri="{BB962C8B-B14F-4D97-AF65-F5344CB8AC3E}">
@@ -11133,6 +11100,14 @@
           </a:p>
           <a:p>
             <a:pPr lvl="1"/>
+            <a:r>
+              <a:rPr lang="en-US" altLang="ko-KR" dirty="0" err="1"/>
+              <a:t>VSCode</a:t>
+            </a:r>
+            <a:endParaRPr lang="en-US" altLang="ko-KR" dirty="0"/>
+          </a:p>
+          <a:p>
+            <a:pPr lvl="1"/>
             <a:endParaRPr lang="en-US" altLang="ko-KR" dirty="0"/>
           </a:p>
           <a:p>
@@ -11298,6 +11273,36 @@
           </a:p>
         </p:txBody>
       </p:sp>
+      <p:pic>
+        <p:nvPicPr>
+          <p:cNvPr id="7" name="그림 6">
+            <a:extLst>
+              <a:ext uri="{FF2B5EF4-FFF2-40B4-BE49-F238E27FC236}">
+                <a16:creationId xmlns:a16="http://schemas.microsoft.com/office/drawing/2014/main" id="{4216C372-8B5A-45EF-B297-B8B4D733EDB9}"/>
+              </a:ext>
+            </a:extLst>
+          </p:cNvPr>
+          <p:cNvPicPr>
+            <a:picLocks noChangeAspect="1"/>
+          </p:cNvPicPr>
+          <p:nvPr/>
+        </p:nvPicPr>
+        <p:blipFill>
+          <a:blip r:embed="rId3"/>
+          <a:stretch>
+            <a:fillRect/>
+          </a:stretch>
+        </p:blipFill>
+        <p:spPr>
+          <a:xfrm>
+            <a:off x="8867110" y="2872171"/>
+            <a:ext cx="2230180" cy="2035601"/>
+          </a:xfrm>
+          <a:prstGeom prst="rect">
+            <a:avLst/>
+          </a:prstGeom>
+        </p:spPr>
+      </p:pic>
     </p:spTree>
     <p:extLst>
       <p:ext uri="{BB962C8B-B14F-4D97-AF65-F5344CB8AC3E}">
